--- a/資料庫分析.pptx
+++ b/資料庫分析.pptx
@@ -19549,7 +19549,7 @@
           <p:nvPr>
             <p:extLst>
               <p:ext uri="{D42A27DB-BD31-4B8C-83A1-F6EECF244321}">
-                <p14:modId xmlns:p14="http://schemas.microsoft.com/office/powerpoint/2010/main" val="792138776"/>
+                <p14:modId xmlns:p14="http://schemas.microsoft.com/office/powerpoint/2010/main" val="731422086"/>
               </p:ext>
             </p:extLst>
           </p:nvPr>
@@ -20226,7 +20226,7 @@
                         <a:rPr lang="en-US" altLang="zh-TW" dirty="0">
                           <a:latin typeface="+mn-lt"/>
                         </a:rPr>
-                        <a:t>10</a:t>
+                        <a:t>9</a:t>
                       </a:r>
                       <a:endParaRPr lang="zh-TW" altLang="en-US" dirty="0">
                         <a:latin typeface="+mn-lt"/>
@@ -20549,7 +20549,7 @@
                         <a:rPr lang="en-US" altLang="zh-TW" dirty="0">
                           <a:latin typeface="+mn-lt"/>
                         </a:rPr>
-                        <a:t>114</a:t>
+                        <a:t>113</a:t>
                       </a:r>
                       <a:endParaRPr lang="zh-TW" altLang="en-US" dirty="0">
                         <a:latin typeface="+mn-lt"/>
@@ -20568,7 +20568,7 @@
                         <a:rPr lang="en-US" altLang="zh-TW" dirty="0">
                           <a:latin typeface="+mn-lt"/>
                         </a:rPr>
-                        <a:t>63</a:t>
+                        <a:t>59</a:t>
                       </a:r>
                       <a:endParaRPr lang="zh-TW" altLang="en-US" dirty="0">
                         <a:latin typeface="+mn-lt"/>
@@ -20632,7 +20632,7 @@
                         <a:rPr lang="en-US" altLang="zh-TW" dirty="0">
                           <a:latin typeface="+mn-lt"/>
                         </a:rPr>
-                        <a:t>37/58.7%</a:t>
+                        <a:t>36/61%</a:t>
                       </a:r>
                       <a:endParaRPr lang="zh-TW" altLang="en-US" dirty="0">
                         <a:latin typeface="+mn-lt"/>

--- a/資料庫分析.pptx
+++ b/資料庫分析.pptx
@@ -5,10 +5,10 @@
     <p:sldMasterId id="2147483660" r:id="rId1"/>
   </p:sldMasterIdLst>
   <p:notesMasterIdLst>
-    <p:notesMasterId r:id="rId14"/>
+    <p:notesMasterId r:id="rId15"/>
   </p:notesMasterIdLst>
   <p:handoutMasterIdLst>
-    <p:handoutMasterId r:id="rId15"/>
+    <p:handoutMasterId r:id="rId16"/>
   </p:handoutMasterIdLst>
   <p:sldIdLst>
     <p:sldId id="290" r:id="rId2"/>
@@ -22,7 +22,8 @@
     <p:sldId id="358" r:id="rId10"/>
     <p:sldId id="368" r:id="rId11"/>
     <p:sldId id="366" r:id="rId12"/>
-    <p:sldId id="352" r:id="rId13"/>
+    <p:sldId id="370" r:id="rId13"/>
+    <p:sldId id="352" r:id="rId14"/>
   </p:sldIdLst>
   <p:sldSz cx="12192000" cy="6858000"/>
   <p:notesSz cx="6858000" cy="9144000"/>
@@ -137,6 +138,7 @@
             <p14:sldId id="358"/>
             <p14:sldId id="368"/>
             <p14:sldId id="366"/>
+            <p14:sldId id="370"/>
             <p14:sldId id="352"/>
           </p14:sldIdLst>
         </p14:section>
@@ -266,7 +268,7 @@
           <a:p>
             <a:fld id="{6233443E-6848-4F38-AB30-0DFF7D1E5954}" type="datetimeFigureOut">
               <a:rPr lang="zh-TW" altLang="en-US" smtClean="0"/>
-              <a:t>2021/10/10</a:t>
+              <a:t>2021/10/12</a:t>
             </a:fld>
             <a:endParaRPr lang="zh-TW" altLang="en-US"/>
           </a:p>
@@ -443,7 +445,7 @@
           <a:p>
             <a:fld id="{95CB22CF-AAB2-4BCD-B4B6-1F2E0A3FEC72}" type="datetimeFigureOut">
               <a:rPr lang="zh-TW" altLang="en-US" smtClean="0"/>
-              <a:t>2021/10/10</a:t>
+              <a:t>2021/10/12</a:t>
             </a:fld>
             <a:endParaRPr lang="zh-TW" altLang="en-US"/>
           </a:p>
@@ -1131,6 +1133,90 @@
 </file>
 
 <file path=ppt/notesSlides/notesSlide6.xml><?xml version="1.0" encoding="utf-8"?>
+<p:notes xmlns:a="http://schemas.openxmlformats.org/drawingml/2006/main" xmlns:r="http://schemas.openxmlformats.org/officeDocument/2006/relationships" xmlns:p="http://schemas.openxmlformats.org/presentationml/2006/main">
+  <p:cSld>
+    <p:spTree>
+      <p:nvGrpSpPr>
+        <p:cNvPr id="1" name=""/>
+        <p:cNvGrpSpPr/>
+        <p:nvPr/>
+      </p:nvGrpSpPr>
+      <p:grpSpPr>
+        <a:xfrm>
+          <a:off x="0" y="0"/>
+          <a:ext cx="0" cy="0"/>
+          <a:chOff x="0" y="0"/>
+          <a:chExt cx="0" cy="0"/>
+        </a:xfrm>
+      </p:grpSpPr>
+      <p:sp>
+        <p:nvSpPr>
+          <p:cNvPr id="2" name="投影片影像版面配置區 1"/>
+          <p:cNvSpPr>
+            <a:spLocks noGrp="1" noRot="1" noChangeAspect="1"/>
+          </p:cNvSpPr>
+          <p:nvPr>
+            <p:ph type="sldImg"/>
+          </p:nvPr>
+        </p:nvSpPr>
+        <p:spPr/>
+      </p:sp>
+      <p:sp>
+        <p:nvSpPr>
+          <p:cNvPr id="3" name="備忘稿版面配置區 2"/>
+          <p:cNvSpPr>
+            <a:spLocks noGrp="1"/>
+          </p:cNvSpPr>
+          <p:nvPr>
+            <p:ph type="body" idx="1"/>
+          </p:nvPr>
+        </p:nvSpPr>
+        <p:spPr/>
+        <p:txBody>
+          <a:bodyPr/>
+          <a:lstStyle/>
+          <a:p>
+            <a:endParaRPr lang="zh-TW" altLang="en-US" dirty="0"/>
+          </a:p>
+        </p:txBody>
+      </p:sp>
+      <p:sp>
+        <p:nvSpPr>
+          <p:cNvPr id="4" name="投影片編號版面配置區 3"/>
+          <p:cNvSpPr>
+            <a:spLocks noGrp="1"/>
+          </p:cNvSpPr>
+          <p:nvPr>
+            <p:ph type="sldNum" sz="quarter" idx="5"/>
+          </p:nvPr>
+        </p:nvSpPr>
+        <p:spPr/>
+        <p:txBody>
+          <a:bodyPr/>
+          <a:lstStyle/>
+          <a:p>
+            <a:fld id="{CA802C15-8439-4650-9275-89E8E467F89F}" type="slidenum">
+              <a:rPr lang="zh-TW" altLang="en-US" smtClean="0"/>
+              <a:t>12</a:t>
+            </a:fld>
+            <a:endParaRPr lang="zh-TW" altLang="en-US"/>
+          </a:p>
+        </p:txBody>
+      </p:sp>
+    </p:spTree>
+    <p:extLst>
+      <p:ext uri="{BB962C8B-B14F-4D97-AF65-F5344CB8AC3E}">
+        <p14:creationId xmlns:p14="http://schemas.microsoft.com/office/powerpoint/2010/main" val="3719265224"/>
+      </p:ext>
+    </p:extLst>
+  </p:cSld>
+  <p:clrMapOvr>
+    <a:masterClrMapping/>
+  </p:clrMapOvr>
+</p:notes>
+</file>
+
+<file path=ppt/notesSlides/notesSlide7.xml><?xml version="1.0" encoding="utf-8"?>
 <p:notes xmlns:a="http://schemas.openxmlformats.org/drawingml/2006/main" xmlns:r="http://schemas.openxmlformats.org/officeDocument/2006/relationships" xmlns:p="http://schemas.openxmlformats.org/presentationml/2006/main">
   <p:cSld>
     <p:spTree>
@@ -2259,7 +2345,7 @@
           <a:p>
             <a:fld id="{CA802C15-8439-4650-9275-89E8E467F89F}" type="slidenum">
               <a:rPr lang="zh-TW" altLang="en-US" smtClean="0"/>
-              <a:t>12</a:t>
+              <a:t>13</a:t>
             </a:fld>
             <a:endParaRPr lang="zh-TW" altLang="en-US"/>
           </a:p>
@@ -3004,7 +3090,7 @@
           <a:p>
             <a:fld id="{14815ECC-D564-4E70-8DF2-69078BE7875F}" type="datetime1">
               <a:rPr lang="zh-TW" altLang="en-US" smtClean="0"/>
-              <a:t>2021/10/10</a:t>
+              <a:t>2021/10/12</a:t>
             </a:fld>
             <a:endParaRPr lang="zh-TW" altLang="en-US"/>
           </a:p>
@@ -3537,7 +3623,7 @@
           <a:p>
             <a:fld id="{7E9BC08B-076E-4B68-8A46-ED2629AFDEA3}" type="datetime1">
               <a:rPr lang="zh-TW" altLang="en-US" smtClean="0"/>
-              <a:t>2021/10/10</a:t>
+              <a:t>2021/10/12</a:t>
             </a:fld>
             <a:endParaRPr lang="zh-TW" altLang="en-US"/>
           </a:p>
@@ -3852,7 +3938,7 @@
           <a:p>
             <a:fld id="{7E9BC08B-076E-4B68-8A46-ED2629AFDEA3}" type="datetime1">
               <a:rPr lang="zh-TW" altLang="en-US" smtClean="0"/>
-              <a:t>2021/10/10</a:t>
+              <a:t>2021/10/12</a:t>
             </a:fld>
             <a:endParaRPr lang="zh-TW" altLang="en-US"/>
           </a:p>
@@ -4194,7 +4280,7 @@
           <a:p>
             <a:fld id="{7E9BC08B-076E-4B68-8A46-ED2629AFDEA3}" type="datetime1">
               <a:rPr lang="zh-TW" altLang="en-US" smtClean="0"/>
-              <a:t>2021/10/10</a:t>
+              <a:t>2021/10/12</a:t>
             </a:fld>
             <a:endParaRPr lang="zh-TW" altLang="en-US"/>
           </a:p>
@@ -4509,7 +4595,7 @@
           <a:p>
             <a:fld id="{7E9BC08B-076E-4B68-8A46-ED2629AFDEA3}" type="datetime1">
               <a:rPr lang="zh-TW" altLang="en-US" smtClean="0"/>
-              <a:t>2021/10/10</a:t>
+              <a:t>2021/10/12</a:t>
             </a:fld>
             <a:endParaRPr lang="zh-TW" altLang="en-US"/>
           </a:p>
@@ -4903,7 +4989,7 @@
           <a:p>
             <a:fld id="{7E9BC08B-076E-4B68-8A46-ED2629AFDEA3}" type="datetime1">
               <a:rPr lang="zh-TW" altLang="en-US" smtClean="0"/>
-              <a:t>2021/10/10</a:t>
+              <a:t>2021/10/12</a:t>
             </a:fld>
             <a:endParaRPr lang="zh-TW" altLang="en-US"/>
           </a:p>
@@ -5074,7 +5160,7 @@
           <a:p>
             <a:fld id="{83DD6ECF-C089-405B-AC93-5118EFF8BBB6}" type="datetime1">
               <a:rPr lang="zh-TW" altLang="en-US" smtClean="0"/>
-              <a:t>2021/10/10</a:t>
+              <a:t>2021/10/12</a:t>
             </a:fld>
             <a:endParaRPr lang="zh-TW" altLang="en-US"/>
           </a:p>
@@ -5295,7 +5381,7 @@
           <a:p>
             <a:fld id="{76357D8C-541D-4E8A-9D62-CD397C305041}" type="datetime1">
               <a:rPr lang="zh-TW" altLang="en-US" smtClean="0"/>
-              <a:t>2021/10/10</a:t>
+              <a:t>2021/10/12</a:t>
             </a:fld>
             <a:endParaRPr lang="zh-TW" altLang="en-US"/>
           </a:p>
@@ -5546,7 +5632,7 @@
           <a:p>
             <a:fld id="{8C353E2A-D468-42D4-B95B-D083617748B9}" type="datetime1">
               <a:rPr lang="zh-TW" altLang="en-US" smtClean="0"/>
-              <a:t>2021/10/10</a:t>
+              <a:t>2021/10/12</a:t>
             </a:fld>
             <a:endParaRPr lang="zh-TW" altLang="en-US"/>
           </a:p>
@@ -6075,7 +6161,7 @@
           <a:p>
             <a:fld id="{84AD58FD-9B8B-4B75-A125-75D0E225B163}" type="datetime1">
               <a:rPr lang="zh-TW" altLang="en-US" smtClean="0"/>
-              <a:t>2021/10/10</a:t>
+              <a:t>2021/10/12</a:t>
             </a:fld>
             <a:endParaRPr lang="zh-TW" altLang="en-US"/>
           </a:p>
@@ -6388,7 +6474,7 @@
           <a:p>
             <a:fld id="{8530E546-62A0-4324-90D2-C64DBE828A43}" type="datetime1">
               <a:rPr lang="zh-TW" altLang="en-US" smtClean="0"/>
-              <a:t>2021/10/10</a:t>
+              <a:t>2021/10/12</a:t>
             </a:fld>
             <a:endParaRPr lang="zh-TW" altLang="en-US"/>
           </a:p>
@@ -6843,7 +6929,7 @@
           <a:p>
             <a:fld id="{23B845D1-7E58-4D56-9D2C-E7C4F468F1A7}" type="datetime1">
               <a:rPr lang="zh-TW" altLang="en-US" smtClean="0"/>
-              <a:t>2021/10/10</a:t>
+              <a:t>2021/10/12</a:t>
             </a:fld>
             <a:endParaRPr lang="zh-TW" altLang="en-US"/>
           </a:p>
@@ -7047,7 +7133,7 @@
           <a:p>
             <a:fld id="{15663873-6E6A-47C2-B30A-E11F3F3F4292}" type="datetime1">
               <a:rPr lang="zh-TW" altLang="en-US" smtClean="0"/>
-              <a:t>2021/10/10</a:t>
+              <a:t>2021/10/12</a:t>
             </a:fld>
             <a:endParaRPr lang="zh-TW" altLang="en-US"/>
           </a:p>
@@ -7223,7 +7309,7 @@
           <a:p>
             <a:fld id="{9A804300-340F-4666-B5DD-9B4A9515F3E4}" type="datetime1">
               <a:rPr lang="zh-TW" altLang="en-US" smtClean="0"/>
-              <a:t>2021/10/10</a:t>
+              <a:t>2021/10/12</a:t>
             </a:fld>
             <a:endParaRPr lang="zh-TW" altLang="en-US"/>
           </a:p>
@@ -7559,7 +7645,7 @@
           <a:p>
             <a:fld id="{7E9BC08B-076E-4B68-8A46-ED2629AFDEA3}" type="datetime1">
               <a:rPr lang="zh-TW" altLang="en-US" smtClean="0"/>
-              <a:t>2021/10/10</a:t>
+              <a:t>2021/10/12</a:t>
             </a:fld>
             <a:endParaRPr lang="zh-TW" altLang="en-US"/>
           </a:p>
@@ -7823,7 +7909,7 @@
           <a:p>
             <a:fld id="{7E9BC08B-076E-4B68-8A46-ED2629AFDEA3}" type="datetime1">
               <a:rPr lang="zh-TW" altLang="en-US" smtClean="0"/>
-              <a:t>2021/10/10</a:t>
+              <a:t>2021/10/12</a:t>
             </a:fld>
             <a:endParaRPr lang="zh-TW" altLang="en-US"/>
           </a:p>
@@ -8567,7 +8653,7 @@
           <a:p>
             <a:fld id="{7E9BC08B-076E-4B68-8A46-ED2629AFDEA3}" type="datetime1">
               <a:rPr lang="zh-TW" altLang="en-US" smtClean="0"/>
-              <a:t>2021/10/10</a:t>
+              <a:t>2021/10/12</a:t>
             </a:fld>
             <a:endParaRPr lang="zh-TW" altLang="en-US"/>
           </a:p>
@@ -13763,7 +13849,7 @@
           <p:nvPr>
             <p:extLst>
               <p:ext uri="{D42A27DB-BD31-4B8C-83A1-F6EECF244321}">
-                <p14:modId xmlns:p14="http://schemas.microsoft.com/office/powerpoint/2010/main" val="71340750"/>
+                <p14:modId xmlns:p14="http://schemas.microsoft.com/office/powerpoint/2010/main" val="3020878931"/>
               </p:ext>
             </p:extLst>
           </p:nvPr>
@@ -13922,7 +14008,11 @@
                       <a:endParaRPr lang="zh-TW" altLang="en-US" dirty="0"/>
                     </a:p>
                   </a:txBody>
-                  <a:tcPr/>
+                  <a:tcPr>
+                    <a:solidFill>
+                      <a:schemeClr val="bg1"/>
+                    </a:solidFill>
+                  </a:tcPr>
                 </a:tc>
                 <a:tc>
                   <a:txBody>
@@ -14021,7 +14111,11 @@
                       <a:endParaRPr lang="zh-TW" altLang="en-US" dirty="0"/>
                     </a:p>
                   </a:txBody>
-                  <a:tcPr/>
+                  <a:tcPr>
+                    <a:solidFill>
+                      <a:schemeClr val="bg1"/>
+                    </a:solidFill>
+                  </a:tcPr>
                 </a:tc>
                 <a:tc>
                   <a:txBody>
@@ -14122,6 +14216,4837 @@
 </file>
 
 <file path=ppt/slides/slide12.xml><?xml version="1.0" encoding="utf-8"?>
+<p:sld xmlns:a="http://schemas.openxmlformats.org/drawingml/2006/main" xmlns:r="http://schemas.openxmlformats.org/officeDocument/2006/relationships" xmlns:p="http://schemas.openxmlformats.org/presentationml/2006/main">
+  <p:cSld>
+    <p:spTree>
+      <p:nvGrpSpPr>
+        <p:cNvPr id="1" name=""/>
+        <p:cNvGrpSpPr/>
+        <p:nvPr/>
+      </p:nvGrpSpPr>
+      <p:grpSpPr>
+        <a:xfrm>
+          <a:off x="0" y="0"/>
+          <a:ext cx="0" cy="0"/>
+          <a:chOff x="0" y="0"/>
+          <a:chExt cx="0" cy="0"/>
+        </a:xfrm>
+      </p:grpSpPr>
+      <p:sp>
+        <p:nvSpPr>
+          <p:cNvPr id="2" name="標題 1">
+            <a:extLst>
+              <a:ext uri="{FF2B5EF4-FFF2-40B4-BE49-F238E27FC236}">
+                <a16:creationId xmlns:a16="http://schemas.microsoft.com/office/drawing/2014/main" id="{DBB9285C-E462-45A8-A559-5893715C83E5}"/>
+              </a:ext>
+            </a:extLst>
+          </p:cNvPr>
+          <p:cNvSpPr>
+            <a:spLocks noGrp="1"/>
+          </p:cNvSpPr>
+          <p:nvPr>
+            <p:ph type="title"/>
+          </p:nvPr>
+        </p:nvSpPr>
+        <p:spPr>
+          <a:xfrm>
+            <a:off x="677334" y="65896"/>
+            <a:ext cx="8596668" cy="1320800"/>
+          </a:xfrm>
+        </p:spPr>
+        <p:txBody>
+          <a:bodyPr/>
+          <a:lstStyle/>
+          <a:p>
+            <a:r>
+              <a:rPr lang="zh-TW" altLang="en-US" dirty="0"/>
+              <a:t>學弟們</a:t>
+            </a:r>
+          </a:p>
+        </p:txBody>
+      </p:sp>
+      <p:sp>
+        <p:nvSpPr>
+          <p:cNvPr id="7" name="投影片編號版面配置區 5">
+            <a:extLst>
+              <a:ext uri="{FF2B5EF4-FFF2-40B4-BE49-F238E27FC236}">
+                <a16:creationId xmlns:a16="http://schemas.microsoft.com/office/drawing/2014/main" id="{A5BEDE5A-14DA-4247-8DAD-42D4CCA023CC}"/>
+              </a:ext>
+            </a:extLst>
+          </p:cNvPr>
+          <p:cNvSpPr>
+            <a:spLocks noGrp="1"/>
+          </p:cNvSpPr>
+          <p:nvPr>
+            <p:ph type="sldNum" sz="quarter" idx="12"/>
+          </p:nvPr>
+        </p:nvSpPr>
+        <p:spPr>
+          <a:xfrm>
+            <a:off x="11318404" y="6322256"/>
+            <a:ext cx="683339" cy="365125"/>
+          </a:xfrm>
+        </p:spPr>
+        <p:txBody>
+          <a:bodyPr/>
+          <a:lstStyle/>
+          <a:p>
+            <a:fld id="{D2B5BE26-702C-4921-81E7-8AF275EDA2CC}" type="slidenum">
+              <a:rPr lang="zh-TW" altLang="en-US" sz="1800" smtClean="0">
+                <a:solidFill>
+                  <a:schemeClr val="bg1"/>
+                </a:solidFill>
+                <a:latin typeface="Times New Roman" panose="02020603050405020304" pitchFamily="18" charset="0"/>
+                <a:ea typeface="標楷體" panose="03000509000000000000" pitchFamily="65" charset="-120"/>
+                <a:cs typeface="Times New Roman" panose="02020603050405020304" pitchFamily="18" charset="0"/>
+              </a:rPr>
+              <a:t>12</a:t>
+            </a:fld>
+            <a:endParaRPr lang="zh-TW" altLang="en-US" sz="1800" dirty="0">
+              <a:solidFill>
+                <a:schemeClr val="bg1"/>
+              </a:solidFill>
+              <a:latin typeface="Times New Roman" panose="02020603050405020304" pitchFamily="18" charset="0"/>
+              <a:ea typeface="標楷體" panose="03000509000000000000" pitchFamily="65" charset="-120"/>
+              <a:cs typeface="Times New Roman" panose="02020603050405020304" pitchFamily="18" charset="0"/>
+            </a:endParaRPr>
+          </a:p>
+        </p:txBody>
+      </p:sp>
+      <p:graphicFrame>
+        <p:nvGraphicFramePr>
+          <p:cNvPr id="5" name="表格 6">
+            <a:extLst>
+              <a:ext uri="{FF2B5EF4-FFF2-40B4-BE49-F238E27FC236}">
+                <a16:creationId xmlns:a16="http://schemas.microsoft.com/office/drawing/2014/main" id="{1DB8172E-6E88-4DA3-BB93-E1A68B21A96B}"/>
+              </a:ext>
+            </a:extLst>
+          </p:cNvPr>
+          <p:cNvGraphicFramePr>
+            <a:graphicFrameLocks/>
+          </p:cNvGraphicFramePr>
+          <p:nvPr>
+            <p:extLst>
+              <p:ext uri="{D42A27DB-BD31-4B8C-83A1-F6EECF244321}">
+                <p14:modId xmlns:p14="http://schemas.microsoft.com/office/powerpoint/2010/main" val="3320147148"/>
+              </p:ext>
+            </p:extLst>
+          </p:nvPr>
+        </p:nvGraphicFramePr>
+        <p:xfrm>
+          <a:off x="207778" y="726296"/>
+          <a:ext cx="2597205" cy="3849681"/>
+        </p:xfrm>
+        <a:graphic>
+          <a:graphicData uri="http://schemas.openxmlformats.org/drawingml/2006/table">
+            <a:tbl>
+              <a:tblPr firstRow="1" bandRow="1">
+                <a:tableStyleId>{5C22544A-7EE6-4342-B048-85BDC9FD1C3A}</a:tableStyleId>
+              </a:tblPr>
+              <a:tblGrid>
+                <a:gridCol w="519441">
+                  <a:extLst>
+                    <a:ext uri="{9D8B030D-6E8A-4147-A177-3AD203B41FA5}">
+                      <a16:colId xmlns:a16="http://schemas.microsoft.com/office/drawing/2014/main" val="4022155822"/>
+                    </a:ext>
+                  </a:extLst>
+                </a:gridCol>
+                <a:gridCol w="519441">
+                  <a:extLst>
+                    <a:ext uri="{9D8B030D-6E8A-4147-A177-3AD203B41FA5}">
+                      <a16:colId xmlns:a16="http://schemas.microsoft.com/office/drawing/2014/main" val="1365157035"/>
+                    </a:ext>
+                  </a:extLst>
+                </a:gridCol>
+                <a:gridCol w="519441">
+                  <a:extLst>
+                    <a:ext uri="{9D8B030D-6E8A-4147-A177-3AD203B41FA5}">
+                      <a16:colId xmlns:a16="http://schemas.microsoft.com/office/drawing/2014/main" val="3914753113"/>
+                    </a:ext>
+                  </a:extLst>
+                </a:gridCol>
+                <a:gridCol w="519441">
+                  <a:extLst>
+                    <a:ext uri="{9D8B030D-6E8A-4147-A177-3AD203B41FA5}">
+                      <a16:colId xmlns:a16="http://schemas.microsoft.com/office/drawing/2014/main" val="1336087670"/>
+                    </a:ext>
+                  </a:extLst>
+                </a:gridCol>
+                <a:gridCol w="519441">
+                  <a:extLst>
+                    <a:ext uri="{9D8B030D-6E8A-4147-A177-3AD203B41FA5}">
+                      <a16:colId xmlns:a16="http://schemas.microsoft.com/office/drawing/2014/main" val="2687006980"/>
+                    </a:ext>
+                  </a:extLst>
+                </a:gridCol>
+              </a:tblGrid>
+              <a:tr h="349971">
+                <a:tc>
+                  <a:txBody>
+                    <a:bodyPr/>
+                    <a:lstStyle/>
+                    <a:p>
+                      <a:r>
+                        <a:rPr lang="zh-TW" altLang="en-US" sz="1200" dirty="0"/>
+                        <a:t>筆數</a:t>
+                      </a:r>
+                    </a:p>
+                  </a:txBody>
+                  <a:tcPr/>
+                </a:tc>
+                <a:tc>
+                  <a:txBody>
+                    <a:bodyPr/>
+                    <a:lstStyle/>
+                    <a:p>
+                      <a:r>
+                        <a:rPr lang="zh-TW" altLang="en-US" sz="1200" dirty="0"/>
+                        <a:t>心跳</a:t>
+                      </a:r>
+                    </a:p>
+                  </a:txBody>
+                  <a:tcPr/>
+                </a:tc>
+                <a:tc>
+                  <a:txBody>
+                    <a:bodyPr/>
+                    <a:lstStyle/>
+                    <a:p>
+                      <a:pPr marL="0" marR="0" lvl="0" indent="0" algn="l" defTabSz="457200" rtl="0" eaLnBrk="1" fontAlgn="auto" latinLnBrk="0" hangingPunct="1">
+                        <a:lnSpc>
+                          <a:spcPct val="100000"/>
+                        </a:lnSpc>
+                        <a:spcBef>
+                          <a:spcPts val="0"/>
+                        </a:spcBef>
+                        <a:spcAft>
+                          <a:spcPts val="0"/>
+                        </a:spcAft>
+                        <a:buClrTx/>
+                        <a:buSzTx/>
+                        <a:buFontTx/>
+                        <a:buNone/>
+                        <a:tabLst/>
+                        <a:defRPr/>
+                      </a:pPr>
+                      <a:r>
+                        <a:rPr lang="zh-TW" altLang="en-US" sz="1200" dirty="0"/>
+                        <a:t>結果</a:t>
+                      </a:r>
+                    </a:p>
+                  </a:txBody>
+                  <a:tcPr/>
+                </a:tc>
+                <a:tc>
+                  <a:txBody>
+                    <a:bodyPr/>
+                    <a:lstStyle/>
+                    <a:p>
+                      <a:pPr marL="0" marR="0" lvl="0" indent="0" algn="l" defTabSz="457200" rtl="0" eaLnBrk="1" fontAlgn="auto" latinLnBrk="0" hangingPunct="1">
+                        <a:lnSpc>
+                          <a:spcPct val="100000"/>
+                        </a:lnSpc>
+                        <a:spcBef>
+                          <a:spcPts val="0"/>
+                        </a:spcBef>
+                        <a:spcAft>
+                          <a:spcPts val="0"/>
+                        </a:spcAft>
+                        <a:buClrTx/>
+                        <a:buSzTx/>
+                        <a:buFontTx/>
+                        <a:buNone/>
+                        <a:tabLst/>
+                        <a:defRPr/>
+                      </a:pPr>
+                      <a:r>
+                        <a:rPr lang="zh-TW" altLang="en-US" sz="1200" dirty="0"/>
+                        <a:t>呼吸</a:t>
+                      </a:r>
+                    </a:p>
+                  </a:txBody>
+                  <a:tcPr/>
+                </a:tc>
+                <a:tc>
+                  <a:txBody>
+                    <a:bodyPr/>
+                    <a:lstStyle/>
+                    <a:p>
+                      <a:pPr marL="0" marR="0" lvl="0" indent="0" algn="l" defTabSz="457200" rtl="0" eaLnBrk="1" fontAlgn="auto" latinLnBrk="0" hangingPunct="1">
+                        <a:lnSpc>
+                          <a:spcPct val="100000"/>
+                        </a:lnSpc>
+                        <a:spcBef>
+                          <a:spcPts val="0"/>
+                        </a:spcBef>
+                        <a:spcAft>
+                          <a:spcPts val="0"/>
+                        </a:spcAft>
+                        <a:buClrTx/>
+                        <a:buSzTx/>
+                        <a:buFontTx/>
+                        <a:buNone/>
+                        <a:tabLst/>
+                        <a:defRPr/>
+                      </a:pPr>
+                      <a:r>
+                        <a:rPr lang="zh-TW" altLang="en-US" sz="1200" dirty="0"/>
+                        <a:t>結果</a:t>
+                      </a:r>
+                    </a:p>
+                  </a:txBody>
+                  <a:tcPr/>
+                </a:tc>
+                <a:extLst>
+                  <a:ext uri="{0D108BD9-81ED-4DB2-BD59-A6C34878D82A}">
+                    <a16:rowId xmlns:a16="http://schemas.microsoft.com/office/drawing/2014/main" val="3607890487"/>
+                  </a:ext>
+                </a:extLst>
+              </a:tr>
+              <a:tr h="349971">
+                <a:tc>
+                  <a:txBody>
+                    <a:bodyPr/>
+                    <a:lstStyle/>
+                    <a:p>
+                      <a:r>
+                        <a:rPr lang="en-US" altLang="zh-TW" sz="1600" dirty="0"/>
+                        <a:t>1</a:t>
+                      </a:r>
+                      <a:endParaRPr lang="zh-TW" altLang="en-US" sz="1600" dirty="0"/>
+                    </a:p>
+                  </a:txBody>
+                  <a:tcPr/>
+                </a:tc>
+                <a:tc>
+                  <a:txBody>
+                    <a:bodyPr/>
+                    <a:lstStyle/>
+                    <a:p>
+                      <a:r>
+                        <a:rPr lang="en-US" altLang="zh-TW" sz="1600" dirty="0"/>
+                        <a:t>79</a:t>
+                      </a:r>
+                      <a:endParaRPr lang="zh-TW" altLang="en-US" sz="1600" dirty="0"/>
+                    </a:p>
+                  </a:txBody>
+                  <a:tcPr/>
+                </a:tc>
+                <a:tc>
+                  <a:txBody>
+                    <a:bodyPr/>
+                    <a:lstStyle/>
+                    <a:p>
+                      <a:r>
+                        <a:rPr lang="en-US" altLang="zh-TW" sz="1600" dirty="0">
+                          <a:solidFill>
+                            <a:srgbClr val="00B050"/>
+                          </a:solidFill>
+                        </a:rPr>
+                        <a:t>82</a:t>
+                      </a:r>
+                      <a:endParaRPr lang="zh-TW" altLang="en-US" sz="1600" dirty="0">
+                        <a:solidFill>
+                          <a:srgbClr val="00B050"/>
+                        </a:solidFill>
+                      </a:endParaRPr>
+                    </a:p>
+                  </a:txBody>
+                  <a:tcPr/>
+                </a:tc>
+                <a:tc>
+                  <a:txBody>
+                    <a:bodyPr/>
+                    <a:lstStyle/>
+                    <a:p>
+                      <a:r>
+                        <a:rPr lang="en-US" altLang="zh-TW" sz="1600" dirty="0"/>
+                        <a:t>17</a:t>
+                      </a:r>
+                      <a:endParaRPr lang="zh-TW" altLang="en-US" sz="1600" dirty="0"/>
+                    </a:p>
+                  </a:txBody>
+                  <a:tcPr/>
+                </a:tc>
+                <a:tc>
+                  <a:txBody>
+                    <a:bodyPr/>
+                    <a:lstStyle/>
+                    <a:p>
+                      <a:r>
+                        <a:rPr lang="en-US" altLang="zh-TW" sz="1600" dirty="0">
+                          <a:solidFill>
+                            <a:srgbClr val="00B050"/>
+                          </a:solidFill>
+                        </a:rPr>
+                        <a:t>16</a:t>
+                      </a:r>
+                      <a:endParaRPr lang="zh-TW" altLang="en-US" sz="1600" dirty="0">
+                        <a:solidFill>
+                          <a:srgbClr val="00B050"/>
+                        </a:solidFill>
+                      </a:endParaRPr>
+                    </a:p>
+                  </a:txBody>
+                  <a:tcPr/>
+                </a:tc>
+                <a:extLst>
+                  <a:ext uri="{0D108BD9-81ED-4DB2-BD59-A6C34878D82A}">
+                    <a16:rowId xmlns:a16="http://schemas.microsoft.com/office/drawing/2014/main" val="799478530"/>
+                  </a:ext>
+                </a:extLst>
+              </a:tr>
+              <a:tr h="349971">
+                <a:tc>
+                  <a:txBody>
+                    <a:bodyPr/>
+                    <a:lstStyle/>
+                    <a:p>
+                      <a:r>
+                        <a:rPr lang="en-US" altLang="zh-TW" sz="1600" dirty="0"/>
+                        <a:t>2</a:t>
+                      </a:r>
+                      <a:endParaRPr lang="zh-TW" altLang="en-US" sz="1600" dirty="0"/>
+                    </a:p>
+                  </a:txBody>
+                  <a:tcPr/>
+                </a:tc>
+                <a:tc>
+                  <a:txBody>
+                    <a:bodyPr/>
+                    <a:lstStyle/>
+                    <a:p>
+                      <a:r>
+                        <a:rPr lang="en-US" altLang="zh-TW" sz="1600" dirty="0"/>
+                        <a:t>85</a:t>
+                      </a:r>
+                      <a:endParaRPr lang="zh-TW" altLang="en-US" sz="1600" dirty="0"/>
+                    </a:p>
+                  </a:txBody>
+                  <a:tcPr/>
+                </a:tc>
+                <a:tc>
+                  <a:txBody>
+                    <a:bodyPr/>
+                    <a:lstStyle/>
+                    <a:p>
+                      <a:r>
+                        <a:rPr lang="en-US" altLang="zh-TW" sz="1600" dirty="0">
+                          <a:solidFill>
+                            <a:srgbClr val="00B050"/>
+                          </a:solidFill>
+                        </a:rPr>
+                        <a:t>85</a:t>
+                      </a:r>
+                      <a:endParaRPr lang="zh-TW" altLang="en-US" sz="1600" dirty="0">
+                        <a:solidFill>
+                          <a:srgbClr val="00B050"/>
+                        </a:solidFill>
+                      </a:endParaRPr>
+                    </a:p>
+                  </a:txBody>
+                  <a:tcPr/>
+                </a:tc>
+                <a:tc>
+                  <a:txBody>
+                    <a:bodyPr/>
+                    <a:lstStyle/>
+                    <a:p>
+                      <a:r>
+                        <a:rPr lang="en-US" altLang="zh-TW" sz="1600" dirty="0"/>
+                        <a:t>18</a:t>
+                      </a:r>
+                      <a:endParaRPr lang="zh-TW" altLang="en-US" sz="1600" dirty="0"/>
+                    </a:p>
+                  </a:txBody>
+                  <a:tcPr/>
+                </a:tc>
+                <a:tc>
+                  <a:txBody>
+                    <a:bodyPr/>
+                    <a:lstStyle/>
+                    <a:p>
+                      <a:r>
+                        <a:rPr lang="en-US" altLang="zh-TW" sz="1600" dirty="0">
+                          <a:solidFill>
+                            <a:srgbClr val="00B050"/>
+                          </a:solidFill>
+                        </a:rPr>
+                        <a:t>20</a:t>
+                      </a:r>
+                      <a:endParaRPr lang="zh-TW" altLang="en-US" sz="1600" dirty="0">
+                        <a:solidFill>
+                          <a:srgbClr val="00B050"/>
+                        </a:solidFill>
+                      </a:endParaRPr>
+                    </a:p>
+                  </a:txBody>
+                  <a:tcPr/>
+                </a:tc>
+                <a:extLst>
+                  <a:ext uri="{0D108BD9-81ED-4DB2-BD59-A6C34878D82A}">
+                    <a16:rowId xmlns:a16="http://schemas.microsoft.com/office/drawing/2014/main" val="2671778474"/>
+                  </a:ext>
+                </a:extLst>
+              </a:tr>
+              <a:tr h="349971">
+                <a:tc>
+                  <a:txBody>
+                    <a:bodyPr/>
+                    <a:lstStyle/>
+                    <a:p>
+                      <a:r>
+                        <a:rPr lang="en-US" altLang="zh-TW" sz="1600" dirty="0"/>
+                        <a:t>3</a:t>
+                      </a:r>
+                      <a:endParaRPr lang="zh-TW" altLang="en-US" sz="1600" dirty="0"/>
+                    </a:p>
+                  </a:txBody>
+                  <a:tcPr/>
+                </a:tc>
+                <a:tc>
+                  <a:txBody>
+                    <a:bodyPr/>
+                    <a:lstStyle/>
+                    <a:p>
+                      <a:r>
+                        <a:rPr lang="en-US" altLang="zh-TW" sz="1600" dirty="0"/>
+                        <a:t>83</a:t>
+                      </a:r>
+                      <a:endParaRPr lang="zh-TW" altLang="en-US" sz="1600" dirty="0"/>
+                    </a:p>
+                  </a:txBody>
+                  <a:tcPr/>
+                </a:tc>
+                <a:tc>
+                  <a:txBody>
+                    <a:bodyPr/>
+                    <a:lstStyle/>
+                    <a:p>
+                      <a:r>
+                        <a:rPr lang="en-US" altLang="zh-TW" sz="1600" dirty="0">
+                          <a:solidFill>
+                            <a:srgbClr val="00B050"/>
+                          </a:solidFill>
+                        </a:rPr>
+                        <a:t>84</a:t>
+                      </a:r>
+                      <a:endParaRPr lang="zh-TW" altLang="en-US" sz="1600" dirty="0">
+                        <a:solidFill>
+                          <a:srgbClr val="00B050"/>
+                        </a:solidFill>
+                      </a:endParaRPr>
+                    </a:p>
+                  </a:txBody>
+                  <a:tcPr/>
+                </a:tc>
+                <a:tc>
+                  <a:txBody>
+                    <a:bodyPr/>
+                    <a:lstStyle/>
+                    <a:p>
+                      <a:r>
+                        <a:rPr lang="en-US" altLang="zh-TW" sz="1600" dirty="0"/>
+                        <a:t>18</a:t>
+                      </a:r>
+                      <a:endParaRPr lang="zh-TW" altLang="en-US" sz="1600" dirty="0"/>
+                    </a:p>
+                  </a:txBody>
+                  <a:tcPr/>
+                </a:tc>
+                <a:tc>
+                  <a:txBody>
+                    <a:bodyPr/>
+                    <a:lstStyle/>
+                    <a:p>
+                      <a:r>
+                        <a:rPr lang="en-US" altLang="zh-TW" sz="1600" dirty="0">
+                          <a:solidFill>
+                            <a:srgbClr val="00B050"/>
+                          </a:solidFill>
+                        </a:rPr>
+                        <a:t>18</a:t>
+                      </a:r>
+                      <a:endParaRPr lang="zh-TW" altLang="en-US" sz="1600" dirty="0">
+                        <a:solidFill>
+                          <a:srgbClr val="00B050"/>
+                        </a:solidFill>
+                      </a:endParaRPr>
+                    </a:p>
+                  </a:txBody>
+                  <a:tcPr/>
+                </a:tc>
+                <a:extLst>
+                  <a:ext uri="{0D108BD9-81ED-4DB2-BD59-A6C34878D82A}">
+                    <a16:rowId xmlns:a16="http://schemas.microsoft.com/office/drawing/2014/main" val="368224746"/>
+                  </a:ext>
+                </a:extLst>
+              </a:tr>
+              <a:tr h="349971">
+                <a:tc>
+                  <a:txBody>
+                    <a:bodyPr/>
+                    <a:lstStyle/>
+                    <a:p>
+                      <a:r>
+                        <a:rPr lang="en-US" altLang="zh-TW" sz="1600" dirty="0"/>
+                        <a:t>4</a:t>
+                      </a:r>
+                      <a:endParaRPr lang="zh-TW" altLang="en-US" sz="1600" dirty="0"/>
+                    </a:p>
+                  </a:txBody>
+                  <a:tcPr/>
+                </a:tc>
+                <a:tc>
+                  <a:txBody>
+                    <a:bodyPr/>
+                    <a:lstStyle/>
+                    <a:p>
+                      <a:r>
+                        <a:rPr lang="en-US" altLang="zh-TW" sz="1600" dirty="0"/>
+                        <a:t>84</a:t>
+                      </a:r>
+                      <a:endParaRPr lang="zh-TW" altLang="en-US" sz="1600" dirty="0"/>
+                    </a:p>
+                  </a:txBody>
+                  <a:tcPr/>
+                </a:tc>
+                <a:tc>
+                  <a:txBody>
+                    <a:bodyPr/>
+                    <a:lstStyle/>
+                    <a:p>
+                      <a:r>
+                        <a:rPr lang="en-US" altLang="zh-TW" sz="1600" dirty="0">
+                          <a:solidFill>
+                            <a:srgbClr val="00B050"/>
+                          </a:solidFill>
+                        </a:rPr>
+                        <a:t>85</a:t>
+                      </a:r>
+                      <a:endParaRPr lang="zh-TW" altLang="en-US" sz="1600" dirty="0">
+                        <a:solidFill>
+                          <a:srgbClr val="00B050"/>
+                        </a:solidFill>
+                      </a:endParaRPr>
+                    </a:p>
+                  </a:txBody>
+                  <a:tcPr/>
+                </a:tc>
+                <a:tc>
+                  <a:txBody>
+                    <a:bodyPr/>
+                    <a:lstStyle/>
+                    <a:p>
+                      <a:r>
+                        <a:rPr lang="en-US" altLang="zh-TW" sz="1600" dirty="0"/>
+                        <a:t>17</a:t>
+                      </a:r>
+                      <a:endParaRPr lang="zh-TW" altLang="en-US" sz="1600" dirty="0"/>
+                    </a:p>
+                  </a:txBody>
+                  <a:tcPr/>
+                </a:tc>
+                <a:tc>
+                  <a:txBody>
+                    <a:bodyPr/>
+                    <a:lstStyle/>
+                    <a:p>
+                      <a:r>
+                        <a:rPr lang="en-US" altLang="zh-TW" sz="1600" dirty="0">
+                          <a:solidFill>
+                            <a:srgbClr val="00B050"/>
+                          </a:solidFill>
+                        </a:rPr>
+                        <a:t>17</a:t>
+                      </a:r>
+                      <a:endParaRPr lang="zh-TW" altLang="en-US" sz="1600" dirty="0">
+                        <a:solidFill>
+                          <a:srgbClr val="00B050"/>
+                        </a:solidFill>
+                      </a:endParaRPr>
+                    </a:p>
+                  </a:txBody>
+                  <a:tcPr/>
+                </a:tc>
+                <a:extLst>
+                  <a:ext uri="{0D108BD9-81ED-4DB2-BD59-A6C34878D82A}">
+                    <a16:rowId xmlns:a16="http://schemas.microsoft.com/office/drawing/2014/main" val="204919228"/>
+                  </a:ext>
+                </a:extLst>
+              </a:tr>
+              <a:tr h="349971">
+                <a:tc>
+                  <a:txBody>
+                    <a:bodyPr/>
+                    <a:lstStyle/>
+                    <a:p>
+                      <a:r>
+                        <a:rPr lang="en-US" altLang="zh-TW" sz="1600" dirty="0"/>
+                        <a:t>5</a:t>
+                      </a:r>
+                      <a:endParaRPr lang="zh-TW" altLang="en-US" sz="1600" dirty="0"/>
+                    </a:p>
+                  </a:txBody>
+                  <a:tcPr/>
+                </a:tc>
+                <a:tc>
+                  <a:txBody>
+                    <a:bodyPr/>
+                    <a:lstStyle/>
+                    <a:p>
+                      <a:r>
+                        <a:rPr lang="en-US" altLang="zh-TW" sz="1600" dirty="0"/>
+                        <a:t>80</a:t>
+                      </a:r>
+                      <a:endParaRPr lang="zh-TW" altLang="en-US" sz="1600" dirty="0"/>
+                    </a:p>
+                  </a:txBody>
+                  <a:tcPr/>
+                </a:tc>
+                <a:tc>
+                  <a:txBody>
+                    <a:bodyPr/>
+                    <a:lstStyle/>
+                    <a:p>
+                      <a:r>
+                        <a:rPr lang="en-US" altLang="zh-TW" sz="1600" dirty="0">
+                          <a:solidFill>
+                            <a:srgbClr val="00B050"/>
+                          </a:solidFill>
+                        </a:rPr>
+                        <a:t>82</a:t>
+                      </a:r>
+                      <a:endParaRPr lang="zh-TW" altLang="en-US" sz="1600" dirty="0">
+                        <a:solidFill>
+                          <a:srgbClr val="00B050"/>
+                        </a:solidFill>
+                      </a:endParaRPr>
+                    </a:p>
+                  </a:txBody>
+                  <a:tcPr/>
+                </a:tc>
+                <a:tc>
+                  <a:txBody>
+                    <a:bodyPr/>
+                    <a:lstStyle/>
+                    <a:p>
+                      <a:r>
+                        <a:rPr lang="en-US" altLang="zh-TW" sz="1600" dirty="0"/>
+                        <a:t>18</a:t>
+                      </a:r>
+                      <a:endParaRPr lang="zh-TW" altLang="en-US" sz="1600" dirty="0"/>
+                    </a:p>
+                  </a:txBody>
+                  <a:tcPr/>
+                </a:tc>
+                <a:tc>
+                  <a:txBody>
+                    <a:bodyPr/>
+                    <a:lstStyle/>
+                    <a:p>
+                      <a:r>
+                        <a:rPr lang="en-US" altLang="zh-TW" sz="1600" dirty="0">
+                          <a:solidFill>
+                            <a:srgbClr val="00B050"/>
+                          </a:solidFill>
+                        </a:rPr>
+                        <a:t>17</a:t>
+                      </a:r>
+                      <a:endParaRPr lang="zh-TW" altLang="en-US" sz="1600" dirty="0">
+                        <a:solidFill>
+                          <a:srgbClr val="00B050"/>
+                        </a:solidFill>
+                      </a:endParaRPr>
+                    </a:p>
+                  </a:txBody>
+                  <a:tcPr/>
+                </a:tc>
+                <a:extLst>
+                  <a:ext uri="{0D108BD9-81ED-4DB2-BD59-A6C34878D82A}">
+                    <a16:rowId xmlns:a16="http://schemas.microsoft.com/office/drawing/2014/main" val="2395672378"/>
+                  </a:ext>
+                </a:extLst>
+              </a:tr>
+              <a:tr h="349971">
+                <a:tc>
+                  <a:txBody>
+                    <a:bodyPr/>
+                    <a:lstStyle/>
+                    <a:p>
+                      <a:r>
+                        <a:rPr lang="en-US" altLang="zh-TW" sz="1600" dirty="0"/>
+                        <a:t>6</a:t>
+                      </a:r>
+                      <a:endParaRPr lang="zh-TW" altLang="en-US" sz="1600" dirty="0"/>
+                    </a:p>
+                  </a:txBody>
+                  <a:tcPr/>
+                </a:tc>
+                <a:tc>
+                  <a:txBody>
+                    <a:bodyPr/>
+                    <a:lstStyle/>
+                    <a:p>
+                      <a:r>
+                        <a:rPr lang="en-US" altLang="zh-TW" sz="1600" dirty="0"/>
+                        <a:t>85</a:t>
+                      </a:r>
+                      <a:endParaRPr lang="zh-TW" altLang="en-US" sz="1600" dirty="0"/>
+                    </a:p>
+                  </a:txBody>
+                  <a:tcPr/>
+                </a:tc>
+                <a:tc>
+                  <a:txBody>
+                    <a:bodyPr/>
+                    <a:lstStyle/>
+                    <a:p>
+                      <a:r>
+                        <a:rPr lang="en-US" altLang="zh-TW" sz="1600" dirty="0">
+                          <a:solidFill>
+                            <a:srgbClr val="00B050"/>
+                          </a:solidFill>
+                        </a:rPr>
+                        <a:t>83</a:t>
+                      </a:r>
+                      <a:endParaRPr lang="zh-TW" altLang="en-US" sz="1600" dirty="0">
+                        <a:solidFill>
+                          <a:srgbClr val="00B050"/>
+                        </a:solidFill>
+                      </a:endParaRPr>
+                    </a:p>
+                  </a:txBody>
+                  <a:tcPr/>
+                </a:tc>
+                <a:tc>
+                  <a:txBody>
+                    <a:bodyPr/>
+                    <a:lstStyle/>
+                    <a:p>
+                      <a:r>
+                        <a:rPr lang="en-US" altLang="zh-TW" sz="1600" dirty="0"/>
+                        <a:t>16</a:t>
+                      </a:r>
+                      <a:endParaRPr lang="zh-TW" altLang="en-US" sz="1600" dirty="0"/>
+                    </a:p>
+                  </a:txBody>
+                  <a:tcPr/>
+                </a:tc>
+                <a:tc>
+                  <a:txBody>
+                    <a:bodyPr/>
+                    <a:lstStyle/>
+                    <a:p>
+                      <a:r>
+                        <a:rPr lang="en-US" altLang="zh-TW" sz="1600" dirty="0">
+                          <a:solidFill>
+                            <a:srgbClr val="00B050"/>
+                          </a:solidFill>
+                        </a:rPr>
+                        <a:t>17</a:t>
+                      </a:r>
+                      <a:endParaRPr lang="zh-TW" altLang="en-US" sz="1600" dirty="0">
+                        <a:solidFill>
+                          <a:srgbClr val="00B050"/>
+                        </a:solidFill>
+                      </a:endParaRPr>
+                    </a:p>
+                  </a:txBody>
+                  <a:tcPr/>
+                </a:tc>
+                <a:extLst>
+                  <a:ext uri="{0D108BD9-81ED-4DB2-BD59-A6C34878D82A}">
+                    <a16:rowId xmlns:a16="http://schemas.microsoft.com/office/drawing/2014/main" val="2764133210"/>
+                  </a:ext>
+                </a:extLst>
+              </a:tr>
+              <a:tr h="349971">
+                <a:tc>
+                  <a:txBody>
+                    <a:bodyPr/>
+                    <a:lstStyle/>
+                    <a:p>
+                      <a:r>
+                        <a:rPr lang="en-US" altLang="zh-TW" sz="1600" dirty="0"/>
+                        <a:t>7</a:t>
+                      </a:r>
+                      <a:endParaRPr lang="zh-TW" altLang="en-US" sz="1600" dirty="0"/>
+                    </a:p>
+                  </a:txBody>
+                  <a:tcPr/>
+                </a:tc>
+                <a:tc>
+                  <a:txBody>
+                    <a:bodyPr/>
+                    <a:lstStyle/>
+                    <a:p>
+                      <a:r>
+                        <a:rPr lang="en-US" altLang="zh-TW" sz="1600" dirty="0"/>
+                        <a:t>85</a:t>
+                      </a:r>
+                      <a:endParaRPr lang="zh-TW" altLang="en-US" sz="1600" dirty="0"/>
+                    </a:p>
+                  </a:txBody>
+                  <a:tcPr/>
+                </a:tc>
+                <a:tc>
+                  <a:txBody>
+                    <a:bodyPr/>
+                    <a:lstStyle/>
+                    <a:p>
+                      <a:r>
+                        <a:rPr lang="en-US" altLang="zh-TW" sz="1600" dirty="0">
+                          <a:solidFill>
+                            <a:srgbClr val="00B050"/>
+                          </a:solidFill>
+                        </a:rPr>
+                        <a:t>86</a:t>
+                      </a:r>
+                      <a:endParaRPr lang="zh-TW" altLang="en-US" sz="1600" dirty="0">
+                        <a:solidFill>
+                          <a:srgbClr val="00B050"/>
+                        </a:solidFill>
+                      </a:endParaRPr>
+                    </a:p>
+                  </a:txBody>
+                  <a:tcPr/>
+                </a:tc>
+                <a:tc>
+                  <a:txBody>
+                    <a:bodyPr/>
+                    <a:lstStyle/>
+                    <a:p>
+                      <a:r>
+                        <a:rPr lang="en-US" altLang="zh-TW" sz="1600" dirty="0"/>
+                        <a:t>17</a:t>
+                      </a:r>
+                      <a:endParaRPr lang="zh-TW" altLang="en-US" sz="1600" dirty="0"/>
+                    </a:p>
+                  </a:txBody>
+                  <a:tcPr/>
+                </a:tc>
+                <a:tc>
+                  <a:txBody>
+                    <a:bodyPr/>
+                    <a:lstStyle/>
+                    <a:p>
+                      <a:r>
+                        <a:rPr lang="en-US" altLang="zh-TW" sz="1600" dirty="0">
+                          <a:solidFill>
+                            <a:srgbClr val="00B050"/>
+                          </a:solidFill>
+                        </a:rPr>
+                        <a:t>18</a:t>
+                      </a:r>
+                      <a:endParaRPr lang="zh-TW" altLang="en-US" sz="1600" dirty="0">
+                        <a:solidFill>
+                          <a:srgbClr val="00B050"/>
+                        </a:solidFill>
+                      </a:endParaRPr>
+                    </a:p>
+                  </a:txBody>
+                  <a:tcPr/>
+                </a:tc>
+                <a:extLst>
+                  <a:ext uri="{0D108BD9-81ED-4DB2-BD59-A6C34878D82A}">
+                    <a16:rowId xmlns:a16="http://schemas.microsoft.com/office/drawing/2014/main" val="2688250427"/>
+                  </a:ext>
+                </a:extLst>
+              </a:tr>
+              <a:tr h="349971">
+                <a:tc>
+                  <a:txBody>
+                    <a:bodyPr/>
+                    <a:lstStyle/>
+                    <a:p>
+                      <a:r>
+                        <a:rPr lang="en-US" altLang="zh-TW" sz="1600" dirty="0"/>
+                        <a:t>8</a:t>
+                      </a:r>
+                      <a:endParaRPr lang="zh-TW" altLang="en-US" sz="1600" dirty="0"/>
+                    </a:p>
+                  </a:txBody>
+                  <a:tcPr/>
+                </a:tc>
+                <a:tc>
+                  <a:txBody>
+                    <a:bodyPr/>
+                    <a:lstStyle/>
+                    <a:p>
+                      <a:r>
+                        <a:rPr lang="en-US" altLang="zh-TW" sz="1600" dirty="0"/>
+                        <a:t>84</a:t>
+                      </a:r>
+                      <a:endParaRPr lang="zh-TW" altLang="en-US" sz="1600" dirty="0"/>
+                    </a:p>
+                  </a:txBody>
+                  <a:tcPr/>
+                </a:tc>
+                <a:tc>
+                  <a:txBody>
+                    <a:bodyPr/>
+                    <a:lstStyle/>
+                    <a:p>
+                      <a:r>
+                        <a:rPr lang="en-US" altLang="zh-TW" sz="1600" dirty="0">
+                          <a:solidFill>
+                            <a:srgbClr val="00B050"/>
+                          </a:solidFill>
+                        </a:rPr>
+                        <a:t>85</a:t>
+                      </a:r>
+                      <a:endParaRPr lang="zh-TW" altLang="en-US" sz="1600" dirty="0">
+                        <a:solidFill>
+                          <a:srgbClr val="00B050"/>
+                        </a:solidFill>
+                      </a:endParaRPr>
+                    </a:p>
+                  </a:txBody>
+                  <a:tcPr/>
+                </a:tc>
+                <a:tc>
+                  <a:txBody>
+                    <a:bodyPr/>
+                    <a:lstStyle/>
+                    <a:p>
+                      <a:r>
+                        <a:rPr lang="en-US" altLang="zh-TW" sz="1600" dirty="0"/>
+                        <a:t>18</a:t>
+                      </a:r>
+                      <a:endParaRPr lang="zh-TW" altLang="en-US" sz="1600" dirty="0"/>
+                    </a:p>
+                  </a:txBody>
+                  <a:tcPr/>
+                </a:tc>
+                <a:tc>
+                  <a:txBody>
+                    <a:bodyPr/>
+                    <a:lstStyle/>
+                    <a:p>
+                      <a:r>
+                        <a:rPr lang="en-US" altLang="zh-TW" sz="1600" dirty="0">
+                          <a:solidFill>
+                            <a:srgbClr val="00B050"/>
+                          </a:solidFill>
+                        </a:rPr>
+                        <a:t>18</a:t>
+                      </a:r>
+                      <a:endParaRPr lang="zh-TW" altLang="en-US" sz="1600" dirty="0">
+                        <a:solidFill>
+                          <a:srgbClr val="00B050"/>
+                        </a:solidFill>
+                      </a:endParaRPr>
+                    </a:p>
+                  </a:txBody>
+                  <a:tcPr/>
+                </a:tc>
+                <a:extLst>
+                  <a:ext uri="{0D108BD9-81ED-4DB2-BD59-A6C34878D82A}">
+                    <a16:rowId xmlns:a16="http://schemas.microsoft.com/office/drawing/2014/main" val="137057913"/>
+                  </a:ext>
+                </a:extLst>
+              </a:tr>
+              <a:tr h="349971">
+                <a:tc>
+                  <a:txBody>
+                    <a:bodyPr/>
+                    <a:lstStyle/>
+                    <a:p>
+                      <a:r>
+                        <a:rPr lang="en-US" altLang="zh-TW" sz="1600" dirty="0"/>
+                        <a:t>9</a:t>
+                      </a:r>
+                      <a:endParaRPr lang="zh-TW" altLang="en-US" sz="1600" dirty="0"/>
+                    </a:p>
+                  </a:txBody>
+                  <a:tcPr/>
+                </a:tc>
+                <a:tc>
+                  <a:txBody>
+                    <a:bodyPr/>
+                    <a:lstStyle/>
+                    <a:p>
+                      <a:r>
+                        <a:rPr lang="en-US" altLang="zh-TW" sz="1600" dirty="0"/>
+                        <a:t>92</a:t>
+                      </a:r>
+                      <a:endParaRPr lang="zh-TW" altLang="en-US" sz="1600" dirty="0"/>
+                    </a:p>
+                  </a:txBody>
+                  <a:tcPr/>
+                </a:tc>
+                <a:tc>
+                  <a:txBody>
+                    <a:bodyPr/>
+                    <a:lstStyle/>
+                    <a:p>
+                      <a:r>
+                        <a:rPr lang="en-US" altLang="zh-TW" sz="1600" dirty="0">
+                          <a:solidFill>
+                            <a:srgbClr val="00B050"/>
+                          </a:solidFill>
+                        </a:rPr>
+                        <a:t>90</a:t>
+                      </a:r>
+                      <a:endParaRPr lang="zh-TW" altLang="en-US" sz="1600" dirty="0">
+                        <a:solidFill>
+                          <a:srgbClr val="00B050"/>
+                        </a:solidFill>
+                      </a:endParaRPr>
+                    </a:p>
+                  </a:txBody>
+                  <a:tcPr/>
+                </a:tc>
+                <a:tc>
+                  <a:txBody>
+                    <a:bodyPr/>
+                    <a:lstStyle/>
+                    <a:p>
+                      <a:r>
+                        <a:rPr lang="en-US" altLang="zh-TW" sz="1600" dirty="0"/>
+                        <a:t>19</a:t>
+                      </a:r>
+                      <a:endParaRPr lang="zh-TW" altLang="en-US" sz="1600" dirty="0"/>
+                    </a:p>
+                  </a:txBody>
+                  <a:tcPr/>
+                </a:tc>
+                <a:tc>
+                  <a:txBody>
+                    <a:bodyPr/>
+                    <a:lstStyle/>
+                    <a:p>
+                      <a:r>
+                        <a:rPr lang="en-US" altLang="zh-TW" sz="1600" dirty="0">
+                          <a:solidFill>
+                            <a:srgbClr val="00B050"/>
+                          </a:solidFill>
+                        </a:rPr>
+                        <a:t>18</a:t>
+                      </a:r>
+                      <a:endParaRPr lang="zh-TW" altLang="en-US" sz="1600" dirty="0">
+                        <a:solidFill>
+                          <a:srgbClr val="00B050"/>
+                        </a:solidFill>
+                      </a:endParaRPr>
+                    </a:p>
+                  </a:txBody>
+                  <a:tcPr/>
+                </a:tc>
+                <a:extLst>
+                  <a:ext uri="{0D108BD9-81ED-4DB2-BD59-A6C34878D82A}">
+                    <a16:rowId xmlns:a16="http://schemas.microsoft.com/office/drawing/2014/main" val="1012143525"/>
+                  </a:ext>
+                </a:extLst>
+              </a:tr>
+              <a:tr h="349971">
+                <a:tc>
+                  <a:txBody>
+                    <a:bodyPr/>
+                    <a:lstStyle/>
+                    <a:p>
+                      <a:r>
+                        <a:rPr lang="en-US" altLang="zh-TW" sz="1600" dirty="0"/>
+                        <a:t>10</a:t>
+                      </a:r>
+                      <a:endParaRPr lang="zh-TW" altLang="en-US" sz="1600" dirty="0"/>
+                    </a:p>
+                  </a:txBody>
+                  <a:tcPr/>
+                </a:tc>
+                <a:tc>
+                  <a:txBody>
+                    <a:bodyPr/>
+                    <a:lstStyle/>
+                    <a:p>
+                      <a:r>
+                        <a:rPr lang="en-US" altLang="zh-TW" sz="1600" dirty="0"/>
+                        <a:t>85</a:t>
+                      </a:r>
+                      <a:endParaRPr lang="zh-TW" altLang="en-US" sz="1600" dirty="0"/>
+                    </a:p>
+                  </a:txBody>
+                  <a:tcPr/>
+                </a:tc>
+                <a:tc>
+                  <a:txBody>
+                    <a:bodyPr/>
+                    <a:lstStyle/>
+                    <a:p>
+                      <a:r>
+                        <a:rPr lang="en-US" altLang="zh-TW" sz="1600" dirty="0">
+                          <a:solidFill>
+                            <a:srgbClr val="00B050"/>
+                          </a:solidFill>
+                        </a:rPr>
+                        <a:t>83</a:t>
+                      </a:r>
+                      <a:endParaRPr lang="zh-TW" altLang="en-US" sz="1600" dirty="0">
+                        <a:solidFill>
+                          <a:srgbClr val="00B050"/>
+                        </a:solidFill>
+                      </a:endParaRPr>
+                    </a:p>
+                  </a:txBody>
+                  <a:tcPr/>
+                </a:tc>
+                <a:tc>
+                  <a:txBody>
+                    <a:bodyPr/>
+                    <a:lstStyle/>
+                    <a:p>
+                      <a:r>
+                        <a:rPr lang="en-US" altLang="zh-TW" sz="1600" dirty="0"/>
+                        <a:t>16</a:t>
+                      </a:r>
+                      <a:endParaRPr lang="zh-TW" altLang="en-US" sz="1600" dirty="0"/>
+                    </a:p>
+                  </a:txBody>
+                  <a:tcPr/>
+                </a:tc>
+                <a:tc>
+                  <a:txBody>
+                    <a:bodyPr/>
+                    <a:lstStyle/>
+                    <a:p>
+                      <a:r>
+                        <a:rPr lang="en-US" altLang="zh-TW" sz="1600" dirty="0">
+                          <a:solidFill>
+                            <a:srgbClr val="00B050"/>
+                          </a:solidFill>
+                        </a:rPr>
+                        <a:t>15</a:t>
+                      </a:r>
+                      <a:endParaRPr lang="zh-TW" altLang="en-US" sz="1600" dirty="0">
+                        <a:solidFill>
+                          <a:srgbClr val="00B050"/>
+                        </a:solidFill>
+                      </a:endParaRPr>
+                    </a:p>
+                  </a:txBody>
+                  <a:tcPr/>
+                </a:tc>
+                <a:extLst>
+                  <a:ext uri="{0D108BD9-81ED-4DB2-BD59-A6C34878D82A}">
+                    <a16:rowId xmlns:a16="http://schemas.microsoft.com/office/drawing/2014/main" val="1540974461"/>
+                  </a:ext>
+                </a:extLst>
+              </a:tr>
+            </a:tbl>
+          </a:graphicData>
+        </a:graphic>
+      </p:graphicFrame>
+      <p:graphicFrame>
+        <p:nvGraphicFramePr>
+          <p:cNvPr id="8" name="表格 6">
+            <a:extLst>
+              <a:ext uri="{FF2B5EF4-FFF2-40B4-BE49-F238E27FC236}">
+                <a16:creationId xmlns:a16="http://schemas.microsoft.com/office/drawing/2014/main" id="{A126C4F1-6939-40F6-B0B8-F7D0B1307965}"/>
+              </a:ext>
+            </a:extLst>
+          </p:cNvPr>
+          <p:cNvGraphicFramePr>
+            <a:graphicFrameLocks/>
+          </p:cNvGraphicFramePr>
+          <p:nvPr>
+            <p:extLst>
+              <p:ext uri="{D42A27DB-BD31-4B8C-83A1-F6EECF244321}">
+                <p14:modId xmlns:p14="http://schemas.microsoft.com/office/powerpoint/2010/main" val="1344422400"/>
+              </p:ext>
+            </p:extLst>
+          </p:nvPr>
+        </p:nvGraphicFramePr>
+        <p:xfrm>
+          <a:off x="3016880" y="726296"/>
+          <a:ext cx="2597205" cy="3849681"/>
+        </p:xfrm>
+        <a:graphic>
+          <a:graphicData uri="http://schemas.openxmlformats.org/drawingml/2006/table">
+            <a:tbl>
+              <a:tblPr firstRow="1" bandRow="1">
+                <a:tableStyleId>{5C22544A-7EE6-4342-B048-85BDC9FD1C3A}</a:tableStyleId>
+              </a:tblPr>
+              <a:tblGrid>
+                <a:gridCol w="519441">
+                  <a:extLst>
+                    <a:ext uri="{9D8B030D-6E8A-4147-A177-3AD203B41FA5}">
+                      <a16:colId xmlns:a16="http://schemas.microsoft.com/office/drawing/2014/main" val="4022155822"/>
+                    </a:ext>
+                  </a:extLst>
+                </a:gridCol>
+                <a:gridCol w="519441">
+                  <a:extLst>
+                    <a:ext uri="{9D8B030D-6E8A-4147-A177-3AD203B41FA5}">
+                      <a16:colId xmlns:a16="http://schemas.microsoft.com/office/drawing/2014/main" val="1365157035"/>
+                    </a:ext>
+                  </a:extLst>
+                </a:gridCol>
+                <a:gridCol w="519441">
+                  <a:extLst>
+                    <a:ext uri="{9D8B030D-6E8A-4147-A177-3AD203B41FA5}">
+                      <a16:colId xmlns:a16="http://schemas.microsoft.com/office/drawing/2014/main" val="3914753113"/>
+                    </a:ext>
+                  </a:extLst>
+                </a:gridCol>
+                <a:gridCol w="519441">
+                  <a:extLst>
+                    <a:ext uri="{9D8B030D-6E8A-4147-A177-3AD203B41FA5}">
+                      <a16:colId xmlns:a16="http://schemas.microsoft.com/office/drawing/2014/main" val="1336087670"/>
+                    </a:ext>
+                  </a:extLst>
+                </a:gridCol>
+                <a:gridCol w="519441">
+                  <a:extLst>
+                    <a:ext uri="{9D8B030D-6E8A-4147-A177-3AD203B41FA5}">
+                      <a16:colId xmlns:a16="http://schemas.microsoft.com/office/drawing/2014/main" val="2687006980"/>
+                    </a:ext>
+                  </a:extLst>
+                </a:gridCol>
+              </a:tblGrid>
+              <a:tr h="349971">
+                <a:tc>
+                  <a:txBody>
+                    <a:bodyPr/>
+                    <a:lstStyle/>
+                    <a:p>
+                      <a:r>
+                        <a:rPr lang="zh-TW" altLang="en-US" sz="1200" dirty="0"/>
+                        <a:t>筆數</a:t>
+                      </a:r>
+                    </a:p>
+                  </a:txBody>
+                  <a:tcPr/>
+                </a:tc>
+                <a:tc>
+                  <a:txBody>
+                    <a:bodyPr/>
+                    <a:lstStyle/>
+                    <a:p>
+                      <a:r>
+                        <a:rPr lang="zh-TW" altLang="en-US" sz="1200" dirty="0"/>
+                        <a:t>心跳</a:t>
+                      </a:r>
+                    </a:p>
+                  </a:txBody>
+                  <a:tcPr/>
+                </a:tc>
+                <a:tc>
+                  <a:txBody>
+                    <a:bodyPr/>
+                    <a:lstStyle/>
+                    <a:p>
+                      <a:pPr marL="0" marR="0" lvl="0" indent="0" algn="l" defTabSz="457200" rtl="0" eaLnBrk="1" fontAlgn="auto" latinLnBrk="0" hangingPunct="1">
+                        <a:lnSpc>
+                          <a:spcPct val="100000"/>
+                        </a:lnSpc>
+                        <a:spcBef>
+                          <a:spcPts val="0"/>
+                        </a:spcBef>
+                        <a:spcAft>
+                          <a:spcPts val="0"/>
+                        </a:spcAft>
+                        <a:buClrTx/>
+                        <a:buSzTx/>
+                        <a:buFontTx/>
+                        <a:buNone/>
+                        <a:tabLst/>
+                        <a:defRPr/>
+                      </a:pPr>
+                      <a:r>
+                        <a:rPr lang="zh-TW" altLang="en-US" sz="1200" dirty="0"/>
+                        <a:t>結果</a:t>
+                      </a:r>
+                    </a:p>
+                  </a:txBody>
+                  <a:tcPr/>
+                </a:tc>
+                <a:tc>
+                  <a:txBody>
+                    <a:bodyPr/>
+                    <a:lstStyle/>
+                    <a:p>
+                      <a:pPr marL="0" marR="0" lvl="0" indent="0" algn="l" defTabSz="457200" rtl="0" eaLnBrk="1" fontAlgn="auto" latinLnBrk="0" hangingPunct="1">
+                        <a:lnSpc>
+                          <a:spcPct val="100000"/>
+                        </a:lnSpc>
+                        <a:spcBef>
+                          <a:spcPts val="0"/>
+                        </a:spcBef>
+                        <a:spcAft>
+                          <a:spcPts val="0"/>
+                        </a:spcAft>
+                        <a:buClrTx/>
+                        <a:buSzTx/>
+                        <a:buFontTx/>
+                        <a:buNone/>
+                        <a:tabLst/>
+                        <a:defRPr/>
+                      </a:pPr>
+                      <a:r>
+                        <a:rPr lang="zh-TW" altLang="en-US" sz="1200" dirty="0"/>
+                        <a:t>呼吸</a:t>
+                      </a:r>
+                    </a:p>
+                  </a:txBody>
+                  <a:tcPr/>
+                </a:tc>
+                <a:tc>
+                  <a:txBody>
+                    <a:bodyPr/>
+                    <a:lstStyle/>
+                    <a:p>
+                      <a:pPr marL="0" marR="0" lvl="0" indent="0" algn="l" defTabSz="457200" rtl="0" eaLnBrk="1" fontAlgn="auto" latinLnBrk="0" hangingPunct="1">
+                        <a:lnSpc>
+                          <a:spcPct val="100000"/>
+                        </a:lnSpc>
+                        <a:spcBef>
+                          <a:spcPts val="0"/>
+                        </a:spcBef>
+                        <a:spcAft>
+                          <a:spcPts val="0"/>
+                        </a:spcAft>
+                        <a:buClrTx/>
+                        <a:buSzTx/>
+                        <a:buFontTx/>
+                        <a:buNone/>
+                        <a:tabLst/>
+                        <a:defRPr/>
+                      </a:pPr>
+                      <a:r>
+                        <a:rPr lang="zh-TW" altLang="en-US" sz="1200" dirty="0"/>
+                        <a:t>結果</a:t>
+                      </a:r>
+                    </a:p>
+                  </a:txBody>
+                  <a:tcPr/>
+                </a:tc>
+                <a:extLst>
+                  <a:ext uri="{0D108BD9-81ED-4DB2-BD59-A6C34878D82A}">
+                    <a16:rowId xmlns:a16="http://schemas.microsoft.com/office/drawing/2014/main" val="3607890487"/>
+                  </a:ext>
+                </a:extLst>
+              </a:tr>
+              <a:tr h="349971">
+                <a:tc>
+                  <a:txBody>
+                    <a:bodyPr/>
+                    <a:lstStyle/>
+                    <a:p>
+                      <a:r>
+                        <a:rPr lang="en-US" altLang="zh-TW" sz="1600" dirty="0"/>
+                        <a:t>1</a:t>
+                      </a:r>
+                      <a:endParaRPr lang="zh-TW" altLang="en-US" sz="1600" dirty="0"/>
+                    </a:p>
+                  </a:txBody>
+                  <a:tcPr/>
+                </a:tc>
+                <a:tc>
+                  <a:txBody>
+                    <a:bodyPr/>
+                    <a:lstStyle/>
+                    <a:p>
+                      <a:r>
+                        <a:rPr lang="en-US" altLang="zh-TW" sz="1600" dirty="0"/>
+                        <a:t>83</a:t>
+                      </a:r>
+                      <a:endParaRPr lang="zh-TW" altLang="en-US" sz="1600" dirty="0"/>
+                    </a:p>
+                  </a:txBody>
+                  <a:tcPr/>
+                </a:tc>
+                <a:tc>
+                  <a:txBody>
+                    <a:bodyPr/>
+                    <a:lstStyle/>
+                    <a:p>
+                      <a:r>
+                        <a:rPr lang="en-US" altLang="zh-TW" sz="1600" dirty="0">
+                          <a:solidFill>
+                            <a:srgbClr val="00B050"/>
+                          </a:solidFill>
+                        </a:rPr>
+                        <a:t>83</a:t>
+                      </a:r>
+                      <a:endParaRPr lang="zh-TW" altLang="en-US" sz="1600" dirty="0">
+                        <a:solidFill>
+                          <a:srgbClr val="00B050"/>
+                        </a:solidFill>
+                      </a:endParaRPr>
+                    </a:p>
+                  </a:txBody>
+                  <a:tcPr/>
+                </a:tc>
+                <a:tc>
+                  <a:txBody>
+                    <a:bodyPr/>
+                    <a:lstStyle/>
+                    <a:p>
+                      <a:r>
+                        <a:rPr lang="en-US" altLang="zh-TW" sz="1600" dirty="0"/>
+                        <a:t>16</a:t>
+                      </a:r>
+                      <a:endParaRPr lang="zh-TW" altLang="en-US" sz="1600" dirty="0"/>
+                    </a:p>
+                  </a:txBody>
+                  <a:tcPr/>
+                </a:tc>
+                <a:tc>
+                  <a:txBody>
+                    <a:bodyPr/>
+                    <a:lstStyle/>
+                    <a:p>
+                      <a:r>
+                        <a:rPr lang="en-US" altLang="zh-TW" sz="1600" dirty="0">
+                          <a:solidFill>
+                            <a:srgbClr val="00B050"/>
+                          </a:solidFill>
+                        </a:rPr>
+                        <a:t>17</a:t>
+                      </a:r>
+                      <a:endParaRPr lang="zh-TW" altLang="en-US" sz="1600" dirty="0">
+                        <a:solidFill>
+                          <a:srgbClr val="00B050"/>
+                        </a:solidFill>
+                      </a:endParaRPr>
+                    </a:p>
+                  </a:txBody>
+                  <a:tcPr/>
+                </a:tc>
+                <a:extLst>
+                  <a:ext uri="{0D108BD9-81ED-4DB2-BD59-A6C34878D82A}">
+                    <a16:rowId xmlns:a16="http://schemas.microsoft.com/office/drawing/2014/main" val="799478530"/>
+                  </a:ext>
+                </a:extLst>
+              </a:tr>
+              <a:tr h="349971">
+                <a:tc>
+                  <a:txBody>
+                    <a:bodyPr/>
+                    <a:lstStyle/>
+                    <a:p>
+                      <a:r>
+                        <a:rPr lang="en-US" altLang="zh-TW" sz="1600" dirty="0"/>
+                        <a:t>2</a:t>
+                      </a:r>
+                      <a:endParaRPr lang="zh-TW" altLang="en-US" sz="1600" dirty="0"/>
+                    </a:p>
+                  </a:txBody>
+                  <a:tcPr/>
+                </a:tc>
+                <a:tc>
+                  <a:txBody>
+                    <a:bodyPr/>
+                    <a:lstStyle/>
+                    <a:p>
+                      <a:r>
+                        <a:rPr lang="en-US" altLang="zh-TW" sz="1600" dirty="0"/>
+                        <a:t>80</a:t>
+                      </a:r>
+                      <a:endParaRPr lang="zh-TW" altLang="en-US" sz="1600" dirty="0"/>
+                    </a:p>
+                  </a:txBody>
+                  <a:tcPr/>
+                </a:tc>
+                <a:tc>
+                  <a:txBody>
+                    <a:bodyPr/>
+                    <a:lstStyle/>
+                    <a:p>
+                      <a:r>
+                        <a:rPr lang="en-US" altLang="zh-TW" sz="1600" dirty="0">
+                          <a:solidFill>
+                            <a:srgbClr val="00B050"/>
+                          </a:solidFill>
+                        </a:rPr>
+                        <a:t>78</a:t>
+                      </a:r>
+                      <a:endParaRPr lang="zh-TW" altLang="en-US" sz="1600" dirty="0">
+                        <a:solidFill>
+                          <a:srgbClr val="00B050"/>
+                        </a:solidFill>
+                      </a:endParaRPr>
+                    </a:p>
+                  </a:txBody>
+                  <a:tcPr/>
+                </a:tc>
+                <a:tc>
+                  <a:txBody>
+                    <a:bodyPr/>
+                    <a:lstStyle/>
+                    <a:p>
+                      <a:r>
+                        <a:rPr lang="en-US" altLang="zh-TW" sz="1600" dirty="0"/>
+                        <a:t>15</a:t>
+                      </a:r>
+                      <a:endParaRPr lang="zh-TW" altLang="en-US" sz="1600" dirty="0"/>
+                    </a:p>
+                  </a:txBody>
+                  <a:tcPr/>
+                </a:tc>
+                <a:tc>
+                  <a:txBody>
+                    <a:bodyPr/>
+                    <a:lstStyle/>
+                    <a:p>
+                      <a:r>
+                        <a:rPr lang="en-US" altLang="zh-TW" sz="1600" dirty="0">
+                          <a:solidFill>
+                            <a:srgbClr val="00B050"/>
+                          </a:solidFill>
+                        </a:rPr>
+                        <a:t>15</a:t>
+                      </a:r>
+                      <a:endParaRPr lang="zh-TW" altLang="en-US" sz="1600" dirty="0">
+                        <a:solidFill>
+                          <a:srgbClr val="00B050"/>
+                        </a:solidFill>
+                      </a:endParaRPr>
+                    </a:p>
+                  </a:txBody>
+                  <a:tcPr/>
+                </a:tc>
+                <a:extLst>
+                  <a:ext uri="{0D108BD9-81ED-4DB2-BD59-A6C34878D82A}">
+                    <a16:rowId xmlns:a16="http://schemas.microsoft.com/office/drawing/2014/main" val="2671778474"/>
+                  </a:ext>
+                </a:extLst>
+              </a:tr>
+              <a:tr h="349971">
+                <a:tc>
+                  <a:txBody>
+                    <a:bodyPr/>
+                    <a:lstStyle/>
+                    <a:p>
+                      <a:r>
+                        <a:rPr lang="en-US" altLang="zh-TW" sz="1600" dirty="0"/>
+                        <a:t>3</a:t>
+                      </a:r>
+                      <a:endParaRPr lang="zh-TW" altLang="en-US" sz="1600" dirty="0"/>
+                    </a:p>
+                  </a:txBody>
+                  <a:tcPr/>
+                </a:tc>
+                <a:tc>
+                  <a:txBody>
+                    <a:bodyPr/>
+                    <a:lstStyle/>
+                    <a:p>
+                      <a:r>
+                        <a:rPr lang="en-US" altLang="zh-TW" sz="1600" dirty="0"/>
+                        <a:t>79</a:t>
+                      </a:r>
+                      <a:endParaRPr lang="zh-TW" altLang="en-US" sz="1600" dirty="0"/>
+                    </a:p>
+                  </a:txBody>
+                  <a:tcPr/>
+                </a:tc>
+                <a:tc>
+                  <a:txBody>
+                    <a:bodyPr/>
+                    <a:lstStyle/>
+                    <a:p>
+                      <a:r>
+                        <a:rPr lang="en-US" altLang="zh-TW" sz="1600" dirty="0">
+                          <a:solidFill>
+                            <a:srgbClr val="00B050"/>
+                          </a:solidFill>
+                        </a:rPr>
+                        <a:t>80</a:t>
+                      </a:r>
+                      <a:endParaRPr lang="zh-TW" altLang="en-US" sz="1600" dirty="0">
+                        <a:solidFill>
+                          <a:srgbClr val="00B050"/>
+                        </a:solidFill>
+                      </a:endParaRPr>
+                    </a:p>
+                  </a:txBody>
+                  <a:tcPr/>
+                </a:tc>
+                <a:tc>
+                  <a:txBody>
+                    <a:bodyPr/>
+                    <a:lstStyle/>
+                    <a:p>
+                      <a:r>
+                        <a:rPr lang="en-US" altLang="zh-TW" sz="1600" dirty="0"/>
+                        <a:t>15</a:t>
+                      </a:r>
+                      <a:endParaRPr lang="zh-TW" altLang="en-US" sz="1600" dirty="0"/>
+                    </a:p>
+                  </a:txBody>
+                  <a:tcPr/>
+                </a:tc>
+                <a:tc>
+                  <a:txBody>
+                    <a:bodyPr/>
+                    <a:lstStyle/>
+                    <a:p>
+                      <a:r>
+                        <a:rPr lang="en-US" altLang="zh-TW" sz="1600" dirty="0">
+                          <a:solidFill>
+                            <a:srgbClr val="00B050"/>
+                          </a:solidFill>
+                        </a:rPr>
+                        <a:t>16</a:t>
+                      </a:r>
+                      <a:endParaRPr lang="zh-TW" altLang="en-US" sz="1600" dirty="0">
+                        <a:solidFill>
+                          <a:srgbClr val="00B050"/>
+                        </a:solidFill>
+                      </a:endParaRPr>
+                    </a:p>
+                  </a:txBody>
+                  <a:tcPr/>
+                </a:tc>
+                <a:extLst>
+                  <a:ext uri="{0D108BD9-81ED-4DB2-BD59-A6C34878D82A}">
+                    <a16:rowId xmlns:a16="http://schemas.microsoft.com/office/drawing/2014/main" val="368224746"/>
+                  </a:ext>
+                </a:extLst>
+              </a:tr>
+              <a:tr h="349971">
+                <a:tc>
+                  <a:txBody>
+                    <a:bodyPr/>
+                    <a:lstStyle/>
+                    <a:p>
+                      <a:r>
+                        <a:rPr lang="en-US" altLang="zh-TW" sz="1600" dirty="0"/>
+                        <a:t>4</a:t>
+                      </a:r>
+                      <a:endParaRPr lang="zh-TW" altLang="en-US" sz="1600" dirty="0"/>
+                    </a:p>
+                  </a:txBody>
+                  <a:tcPr/>
+                </a:tc>
+                <a:tc>
+                  <a:txBody>
+                    <a:bodyPr/>
+                    <a:lstStyle/>
+                    <a:p>
+                      <a:r>
+                        <a:rPr lang="en-US" altLang="zh-TW" sz="1600" dirty="0"/>
+                        <a:t>83</a:t>
+                      </a:r>
+                      <a:endParaRPr lang="zh-TW" altLang="en-US" sz="1600" dirty="0"/>
+                    </a:p>
+                  </a:txBody>
+                  <a:tcPr/>
+                </a:tc>
+                <a:tc>
+                  <a:txBody>
+                    <a:bodyPr/>
+                    <a:lstStyle/>
+                    <a:p>
+                      <a:r>
+                        <a:rPr lang="en-US" altLang="zh-TW" sz="1600" dirty="0">
+                          <a:solidFill>
+                            <a:srgbClr val="00B050"/>
+                          </a:solidFill>
+                        </a:rPr>
+                        <a:t>82</a:t>
+                      </a:r>
+                      <a:endParaRPr lang="zh-TW" altLang="en-US" sz="1600" dirty="0">
+                        <a:solidFill>
+                          <a:srgbClr val="00B050"/>
+                        </a:solidFill>
+                      </a:endParaRPr>
+                    </a:p>
+                  </a:txBody>
+                  <a:tcPr/>
+                </a:tc>
+                <a:tc>
+                  <a:txBody>
+                    <a:bodyPr/>
+                    <a:lstStyle/>
+                    <a:p>
+                      <a:r>
+                        <a:rPr lang="en-US" altLang="zh-TW" sz="1600" dirty="0"/>
+                        <a:t>15</a:t>
+                      </a:r>
+                      <a:endParaRPr lang="zh-TW" altLang="en-US" sz="1600" dirty="0"/>
+                    </a:p>
+                  </a:txBody>
+                  <a:tcPr/>
+                </a:tc>
+                <a:tc>
+                  <a:txBody>
+                    <a:bodyPr/>
+                    <a:lstStyle/>
+                    <a:p>
+                      <a:r>
+                        <a:rPr lang="en-US" altLang="zh-TW" sz="1600" dirty="0">
+                          <a:solidFill>
+                            <a:srgbClr val="00B050"/>
+                          </a:solidFill>
+                        </a:rPr>
+                        <a:t>16</a:t>
+                      </a:r>
+                      <a:endParaRPr lang="zh-TW" altLang="en-US" sz="1600" dirty="0">
+                        <a:solidFill>
+                          <a:srgbClr val="00B050"/>
+                        </a:solidFill>
+                      </a:endParaRPr>
+                    </a:p>
+                  </a:txBody>
+                  <a:tcPr/>
+                </a:tc>
+                <a:extLst>
+                  <a:ext uri="{0D108BD9-81ED-4DB2-BD59-A6C34878D82A}">
+                    <a16:rowId xmlns:a16="http://schemas.microsoft.com/office/drawing/2014/main" val="204919228"/>
+                  </a:ext>
+                </a:extLst>
+              </a:tr>
+              <a:tr h="349971">
+                <a:tc>
+                  <a:txBody>
+                    <a:bodyPr/>
+                    <a:lstStyle/>
+                    <a:p>
+                      <a:r>
+                        <a:rPr lang="en-US" altLang="zh-TW" sz="1600" dirty="0"/>
+                        <a:t>5</a:t>
+                      </a:r>
+                      <a:endParaRPr lang="zh-TW" altLang="en-US" sz="1600" dirty="0"/>
+                    </a:p>
+                  </a:txBody>
+                  <a:tcPr/>
+                </a:tc>
+                <a:tc>
+                  <a:txBody>
+                    <a:bodyPr/>
+                    <a:lstStyle/>
+                    <a:p>
+                      <a:r>
+                        <a:rPr lang="en-US" altLang="zh-TW" sz="1600" dirty="0"/>
+                        <a:t>83</a:t>
+                      </a:r>
+                      <a:endParaRPr lang="zh-TW" altLang="en-US" sz="1600" dirty="0"/>
+                    </a:p>
+                  </a:txBody>
+                  <a:tcPr/>
+                </a:tc>
+                <a:tc>
+                  <a:txBody>
+                    <a:bodyPr/>
+                    <a:lstStyle/>
+                    <a:p>
+                      <a:r>
+                        <a:rPr lang="en-US" altLang="zh-TW" sz="1600" dirty="0">
+                          <a:solidFill>
+                            <a:srgbClr val="00B050"/>
+                          </a:solidFill>
+                        </a:rPr>
+                        <a:t>82</a:t>
+                      </a:r>
+                      <a:endParaRPr lang="zh-TW" altLang="en-US" sz="1600" dirty="0">
+                        <a:solidFill>
+                          <a:srgbClr val="00B050"/>
+                        </a:solidFill>
+                      </a:endParaRPr>
+                    </a:p>
+                  </a:txBody>
+                  <a:tcPr/>
+                </a:tc>
+                <a:tc>
+                  <a:txBody>
+                    <a:bodyPr/>
+                    <a:lstStyle/>
+                    <a:p>
+                      <a:r>
+                        <a:rPr lang="en-US" altLang="zh-TW" sz="1600" dirty="0"/>
+                        <a:t>14</a:t>
+                      </a:r>
+                      <a:endParaRPr lang="zh-TW" altLang="en-US" sz="1600" dirty="0"/>
+                    </a:p>
+                  </a:txBody>
+                  <a:tcPr/>
+                </a:tc>
+                <a:tc>
+                  <a:txBody>
+                    <a:bodyPr/>
+                    <a:lstStyle/>
+                    <a:p>
+                      <a:r>
+                        <a:rPr lang="en-US" altLang="zh-TW" sz="1600" dirty="0">
+                          <a:solidFill>
+                            <a:srgbClr val="00B050"/>
+                          </a:solidFill>
+                        </a:rPr>
+                        <a:t>15</a:t>
+                      </a:r>
+                      <a:endParaRPr lang="zh-TW" altLang="en-US" sz="1600" dirty="0">
+                        <a:solidFill>
+                          <a:srgbClr val="00B050"/>
+                        </a:solidFill>
+                      </a:endParaRPr>
+                    </a:p>
+                  </a:txBody>
+                  <a:tcPr/>
+                </a:tc>
+                <a:extLst>
+                  <a:ext uri="{0D108BD9-81ED-4DB2-BD59-A6C34878D82A}">
+                    <a16:rowId xmlns:a16="http://schemas.microsoft.com/office/drawing/2014/main" val="2395672378"/>
+                  </a:ext>
+                </a:extLst>
+              </a:tr>
+              <a:tr h="349971">
+                <a:tc>
+                  <a:txBody>
+                    <a:bodyPr/>
+                    <a:lstStyle/>
+                    <a:p>
+                      <a:r>
+                        <a:rPr lang="en-US" altLang="zh-TW" sz="1600" dirty="0"/>
+                        <a:t>6</a:t>
+                      </a:r>
+                      <a:endParaRPr lang="zh-TW" altLang="en-US" sz="1600" dirty="0"/>
+                    </a:p>
+                  </a:txBody>
+                  <a:tcPr/>
+                </a:tc>
+                <a:tc>
+                  <a:txBody>
+                    <a:bodyPr/>
+                    <a:lstStyle/>
+                    <a:p>
+                      <a:r>
+                        <a:rPr lang="en-US" altLang="zh-TW" sz="1600" dirty="0"/>
+                        <a:t>83</a:t>
+                      </a:r>
+                      <a:endParaRPr lang="zh-TW" altLang="en-US" sz="1600" dirty="0"/>
+                    </a:p>
+                  </a:txBody>
+                  <a:tcPr/>
+                </a:tc>
+                <a:tc>
+                  <a:txBody>
+                    <a:bodyPr/>
+                    <a:lstStyle/>
+                    <a:p>
+                      <a:r>
+                        <a:rPr lang="en-US" altLang="zh-TW" sz="1600" dirty="0">
+                          <a:solidFill>
+                            <a:srgbClr val="00B050"/>
+                          </a:solidFill>
+                        </a:rPr>
+                        <a:t>82</a:t>
+                      </a:r>
+                      <a:endParaRPr lang="zh-TW" altLang="en-US" sz="1600" dirty="0">
+                        <a:solidFill>
+                          <a:srgbClr val="00B050"/>
+                        </a:solidFill>
+                      </a:endParaRPr>
+                    </a:p>
+                  </a:txBody>
+                  <a:tcPr/>
+                </a:tc>
+                <a:tc>
+                  <a:txBody>
+                    <a:bodyPr/>
+                    <a:lstStyle/>
+                    <a:p>
+                      <a:r>
+                        <a:rPr lang="en-US" altLang="zh-TW" sz="1600" dirty="0"/>
+                        <a:t>14</a:t>
+                      </a:r>
+                      <a:endParaRPr lang="zh-TW" altLang="en-US" sz="1600" dirty="0"/>
+                    </a:p>
+                  </a:txBody>
+                  <a:tcPr/>
+                </a:tc>
+                <a:tc>
+                  <a:txBody>
+                    <a:bodyPr/>
+                    <a:lstStyle/>
+                    <a:p>
+                      <a:r>
+                        <a:rPr lang="en-US" altLang="zh-TW" sz="1600" dirty="0">
+                          <a:solidFill>
+                            <a:srgbClr val="00B050"/>
+                          </a:solidFill>
+                        </a:rPr>
+                        <a:t>15</a:t>
+                      </a:r>
+                      <a:endParaRPr lang="zh-TW" altLang="en-US" sz="1600" dirty="0">
+                        <a:solidFill>
+                          <a:srgbClr val="00B050"/>
+                        </a:solidFill>
+                      </a:endParaRPr>
+                    </a:p>
+                  </a:txBody>
+                  <a:tcPr/>
+                </a:tc>
+                <a:extLst>
+                  <a:ext uri="{0D108BD9-81ED-4DB2-BD59-A6C34878D82A}">
+                    <a16:rowId xmlns:a16="http://schemas.microsoft.com/office/drawing/2014/main" val="2764133210"/>
+                  </a:ext>
+                </a:extLst>
+              </a:tr>
+              <a:tr h="349971">
+                <a:tc>
+                  <a:txBody>
+                    <a:bodyPr/>
+                    <a:lstStyle/>
+                    <a:p>
+                      <a:r>
+                        <a:rPr lang="en-US" altLang="zh-TW" sz="1600" dirty="0"/>
+                        <a:t>7</a:t>
+                      </a:r>
+                      <a:endParaRPr lang="zh-TW" altLang="en-US" sz="1600" dirty="0"/>
+                    </a:p>
+                  </a:txBody>
+                  <a:tcPr/>
+                </a:tc>
+                <a:tc>
+                  <a:txBody>
+                    <a:bodyPr/>
+                    <a:lstStyle/>
+                    <a:p>
+                      <a:r>
+                        <a:rPr lang="en-US" altLang="zh-TW" sz="1600" dirty="0"/>
+                        <a:t>80</a:t>
+                      </a:r>
+                      <a:endParaRPr lang="zh-TW" altLang="en-US" sz="1600" dirty="0"/>
+                    </a:p>
+                  </a:txBody>
+                  <a:tcPr/>
+                </a:tc>
+                <a:tc>
+                  <a:txBody>
+                    <a:bodyPr/>
+                    <a:lstStyle/>
+                    <a:p>
+                      <a:r>
+                        <a:rPr lang="en-US" altLang="zh-TW" sz="1600" dirty="0">
+                          <a:solidFill>
+                            <a:srgbClr val="00B050"/>
+                          </a:solidFill>
+                        </a:rPr>
+                        <a:t>82</a:t>
+                      </a:r>
+                      <a:endParaRPr lang="zh-TW" altLang="en-US" sz="1600" dirty="0">
+                        <a:solidFill>
+                          <a:srgbClr val="00B050"/>
+                        </a:solidFill>
+                      </a:endParaRPr>
+                    </a:p>
+                  </a:txBody>
+                  <a:tcPr/>
+                </a:tc>
+                <a:tc>
+                  <a:txBody>
+                    <a:bodyPr/>
+                    <a:lstStyle/>
+                    <a:p>
+                      <a:r>
+                        <a:rPr lang="en-US" altLang="zh-TW" sz="1600" dirty="0"/>
+                        <a:t>14</a:t>
+                      </a:r>
+                      <a:endParaRPr lang="zh-TW" altLang="en-US" sz="1600" dirty="0"/>
+                    </a:p>
+                  </a:txBody>
+                  <a:tcPr/>
+                </a:tc>
+                <a:tc>
+                  <a:txBody>
+                    <a:bodyPr/>
+                    <a:lstStyle/>
+                    <a:p>
+                      <a:r>
+                        <a:rPr lang="en-US" altLang="zh-TW" sz="1600" dirty="0">
+                          <a:solidFill>
+                            <a:srgbClr val="00B050"/>
+                          </a:solidFill>
+                        </a:rPr>
+                        <a:t>15</a:t>
+                      </a:r>
+                      <a:endParaRPr lang="zh-TW" altLang="en-US" sz="1600" dirty="0">
+                        <a:solidFill>
+                          <a:srgbClr val="00B050"/>
+                        </a:solidFill>
+                      </a:endParaRPr>
+                    </a:p>
+                  </a:txBody>
+                  <a:tcPr/>
+                </a:tc>
+                <a:extLst>
+                  <a:ext uri="{0D108BD9-81ED-4DB2-BD59-A6C34878D82A}">
+                    <a16:rowId xmlns:a16="http://schemas.microsoft.com/office/drawing/2014/main" val="2688250427"/>
+                  </a:ext>
+                </a:extLst>
+              </a:tr>
+              <a:tr h="349971">
+                <a:tc>
+                  <a:txBody>
+                    <a:bodyPr/>
+                    <a:lstStyle/>
+                    <a:p>
+                      <a:r>
+                        <a:rPr lang="en-US" altLang="zh-TW" sz="1600" dirty="0"/>
+                        <a:t>8</a:t>
+                      </a:r>
+                      <a:endParaRPr lang="zh-TW" altLang="en-US" sz="1600" dirty="0"/>
+                    </a:p>
+                  </a:txBody>
+                  <a:tcPr/>
+                </a:tc>
+                <a:tc>
+                  <a:txBody>
+                    <a:bodyPr/>
+                    <a:lstStyle/>
+                    <a:p>
+                      <a:r>
+                        <a:rPr lang="en-US" altLang="zh-TW" sz="1600" dirty="0"/>
+                        <a:t>81</a:t>
+                      </a:r>
+                      <a:endParaRPr lang="zh-TW" altLang="en-US" sz="1600" dirty="0"/>
+                    </a:p>
+                  </a:txBody>
+                  <a:tcPr/>
+                </a:tc>
+                <a:tc>
+                  <a:txBody>
+                    <a:bodyPr/>
+                    <a:lstStyle/>
+                    <a:p>
+                      <a:r>
+                        <a:rPr lang="en-US" altLang="zh-TW" sz="1600" dirty="0">
+                          <a:solidFill>
+                            <a:srgbClr val="00B050"/>
+                          </a:solidFill>
+                        </a:rPr>
+                        <a:t>79</a:t>
+                      </a:r>
+                      <a:endParaRPr lang="zh-TW" altLang="en-US" sz="1600" dirty="0">
+                        <a:solidFill>
+                          <a:srgbClr val="00B050"/>
+                        </a:solidFill>
+                      </a:endParaRPr>
+                    </a:p>
+                  </a:txBody>
+                  <a:tcPr/>
+                </a:tc>
+                <a:tc>
+                  <a:txBody>
+                    <a:bodyPr/>
+                    <a:lstStyle/>
+                    <a:p>
+                      <a:r>
+                        <a:rPr lang="en-US" altLang="zh-TW" sz="1600" dirty="0"/>
+                        <a:t>15</a:t>
+                      </a:r>
+                      <a:endParaRPr lang="zh-TW" altLang="en-US" sz="1600" dirty="0"/>
+                    </a:p>
+                  </a:txBody>
+                  <a:tcPr/>
+                </a:tc>
+                <a:tc>
+                  <a:txBody>
+                    <a:bodyPr/>
+                    <a:lstStyle/>
+                    <a:p>
+                      <a:r>
+                        <a:rPr lang="en-US" altLang="zh-TW" sz="1600" dirty="0">
+                          <a:solidFill>
+                            <a:srgbClr val="00B050"/>
+                          </a:solidFill>
+                        </a:rPr>
+                        <a:t>15</a:t>
+                      </a:r>
+                      <a:endParaRPr lang="zh-TW" altLang="en-US" sz="1600" dirty="0">
+                        <a:solidFill>
+                          <a:srgbClr val="00B050"/>
+                        </a:solidFill>
+                      </a:endParaRPr>
+                    </a:p>
+                  </a:txBody>
+                  <a:tcPr/>
+                </a:tc>
+                <a:extLst>
+                  <a:ext uri="{0D108BD9-81ED-4DB2-BD59-A6C34878D82A}">
+                    <a16:rowId xmlns:a16="http://schemas.microsoft.com/office/drawing/2014/main" val="137057913"/>
+                  </a:ext>
+                </a:extLst>
+              </a:tr>
+              <a:tr h="349971">
+                <a:tc>
+                  <a:txBody>
+                    <a:bodyPr/>
+                    <a:lstStyle/>
+                    <a:p>
+                      <a:r>
+                        <a:rPr lang="en-US" altLang="zh-TW" sz="1600" dirty="0"/>
+                        <a:t>9</a:t>
+                      </a:r>
+                      <a:endParaRPr lang="zh-TW" altLang="en-US" sz="1600" dirty="0"/>
+                    </a:p>
+                  </a:txBody>
+                  <a:tcPr/>
+                </a:tc>
+                <a:tc>
+                  <a:txBody>
+                    <a:bodyPr/>
+                    <a:lstStyle/>
+                    <a:p>
+                      <a:r>
+                        <a:rPr lang="en-US" altLang="zh-TW" sz="1600" dirty="0"/>
+                        <a:t>78</a:t>
+                      </a:r>
+                      <a:endParaRPr lang="zh-TW" altLang="en-US" sz="1600" dirty="0"/>
+                    </a:p>
+                  </a:txBody>
+                  <a:tcPr/>
+                </a:tc>
+                <a:tc>
+                  <a:txBody>
+                    <a:bodyPr/>
+                    <a:lstStyle/>
+                    <a:p>
+                      <a:r>
+                        <a:rPr lang="en-US" altLang="zh-TW" sz="1600" dirty="0">
+                          <a:solidFill>
+                            <a:srgbClr val="00B050"/>
+                          </a:solidFill>
+                        </a:rPr>
+                        <a:t>82</a:t>
+                      </a:r>
+                      <a:endParaRPr lang="zh-TW" altLang="en-US" sz="1600" dirty="0">
+                        <a:solidFill>
+                          <a:srgbClr val="00B050"/>
+                        </a:solidFill>
+                      </a:endParaRPr>
+                    </a:p>
+                  </a:txBody>
+                  <a:tcPr/>
+                </a:tc>
+                <a:tc>
+                  <a:txBody>
+                    <a:bodyPr/>
+                    <a:lstStyle/>
+                    <a:p>
+                      <a:r>
+                        <a:rPr lang="en-US" altLang="zh-TW" sz="1600" dirty="0"/>
+                        <a:t>15</a:t>
+                      </a:r>
+                      <a:endParaRPr lang="zh-TW" altLang="en-US" sz="1600" dirty="0"/>
+                    </a:p>
+                  </a:txBody>
+                  <a:tcPr/>
+                </a:tc>
+                <a:tc>
+                  <a:txBody>
+                    <a:bodyPr/>
+                    <a:lstStyle/>
+                    <a:p>
+                      <a:r>
+                        <a:rPr lang="en-US" altLang="zh-TW" sz="1600" dirty="0">
+                          <a:solidFill>
+                            <a:srgbClr val="00B050"/>
+                          </a:solidFill>
+                        </a:rPr>
+                        <a:t>16</a:t>
+                      </a:r>
+                      <a:endParaRPr lang="zh-TW" altLang="en-US" sz="1600" dirty="0">
+                        <a:solidFill>
+                          <a:srgbClr val="00B050"/>
+                        </a:solidFill>
+                      </a:endParaRPr>
+                    </a:p>
+                  </a:txBody>
+                  <a:tcPr/>
+                </a:tc>
+                <a:extLst>
+                  <a:ext uri="{0D108BD9-81ED-4DB2-BD59-A6C34878D82A}">
+                    <a16:rowId xmlns:a16="http://schemas.microsoft.com/office/drawing/2014/main" val="1012143525"/>
+                  </a:ext>
+                </a:extLst>
+              </a:tr>
+              <a:tr h="349971">
+                <a:tc>
+                  <a:txBody>
+                    <a:bodyPr/>
+                    <a:lstStyle/>
+                    <a:p>
+                      <a:r>
+                        <a:rPr lang="en-US" altLang="zh-TW" sz="1600" dirty="0"/>
+                        <a:t>10</a:t>
+                      </a:r>
+                      <a:endParaRPr lang="zh-TW" altLang="en-US" sz="1600" dirty="0"/>
+                    </a:p>
+                  </a:txBody>
+                  <a:tcPr/>
+                </a:tc>
+                <a:tc>
+                  <a:txBody>
+                    <a:bodyPr/>
+                    <a:lstStyle/>
+                    <a:p>
+                      <a:r>
+                        <a:rPr lang="en-US" altLang="zh-TW" sz="1600" dirty="0"/>
+                        <a:t>80</a:t>
+                      </a:r>
+                      <a:endParaRPr lang="zh-TW" altLang="en-US" sz="1600" dirty="0"/>
+                    </a:p>
+                  </a:txBody>
+                  <a:tcPr/>
+                </a:tc>
+                <a:tc>
+                  <a:txBody>
+                    <a:bodyPr/>
+                    <a:lstStyle/>
+                    <a:p>
+                      <a:r>
+                        <a:rPr lang="en-US" altLang="zh-TW" sz="1600" dirty="0">
+                          <a:solidFill>
+                            <a:srgbClr val="00B050"/>
+                          </a:solidFill>
+                        </a:rPr>
+                        <a:t>80</a:t>
+                      </a:r>
+                      <a:endParaRPr lang="zh-TW" altLang="en-US" sz="1600" dirty="0">
+                        <a:solidFill>
+                          <a:srgbClr val="00B050"/>
+                        </a:solidFill>
+                      </a:endParaRPr>
+                    </a:p>
+                  </a:txBody>
+                  <a:tcPr/>
+                </a:tc>
+                <a:tc>
+                  <a:txBody>
+                    <a:bodyPr/>
+                    <a:lstStyle/>
+                    <a:p>
+                      <a:r>
+                        <a:rPr lang="en-US" altLang="zh-TW" sz="1600" dirty="0"/>
+                        <a:t>13</a:t>
+                      </a:r>
+                      <a:endParaRPr lang="zh-TW" altLang="en-US" sz="1600" dirty="0"/>
+                    </a:p>
+                  </a:txBody>
+                  <a:tcPr/>
+                </a:tc>
+                <a:tc>
+                  <a:txBody>
+                    <a:bodyPr/>
+                    <a:lstStyle/>
+                    <a:p>
+                      <a:r>
+                        <a:rPr lang="en-US" altLang="zh-TW" sz="1600" dirty="0">
+                          <a:solidFill>
+                            <a:srgbClr val="FF0000"/>
+                          </a:solidFill>
+                        </a:rPr>
+                        <a:t>18</a:t>
+                      </a:r>
+                      <a:endParaRPr lang="zh-TW" altLang="en-US" sz="1600" dirty="0">
+                        <a:solidFill>
+                          <a:srgbClr val="FF0000"/>
+                        </a:solidFill>
+                      </a:endParaRPr>
+                    </a:p>
+                  </a:txBody>
+                  <a:tcPr/>
+                </a:tc>
+                <a:extLst>
+                  <a:ext uri="{0D108BD9-81ED-4DB2-BD59-A6C34878D82A}">
+                    <a16:rowId xmlns:a16="http://schemas.microsoft.com/office/drawing/2014/main" val="2584810243"/>
+                  </a:ext>
+                </a:extLst>
+              </a:tr>
+            </a:tbl>
+          </a:graphicData>
+        </a:graphic>
+      </p:graphicFrame>
+      <p:graphicFrame>
+        <p:nvGraphicFramePr>
+          <p:cNvPr id="9" name="表格 6">
+            <a:extLst>
+              <a:ext uri="{FF2B5EF4-FFF2-40B4-BE49-F238E27FC236}">
+                <a16:creationId xmlns:a16="http://schemas.microsoft.com/office/drawing/2014/main" id="{8C6881AA-FFFB-4AC9-BA0A-5CCB98570359}"/>
+              </a:ext>
+            </a:extLst>
+          </p:cNvPr>
+          <p:cNvGraphicFramePr>
+            <a:graphicFrameLocks/>
+          </p:cNvGraphicFramePr>
+          <p:nvPr>
+            <p:extLst>
+              <p:ext uri="{D42A27DB-BD31-4B8C-83A1-F6EECF244321}">
+                <p14:modId xmlns:p14="http://schemas.microsoft.com/office/powerpoint/2010/main" val="701959136"/>
+              </p:ext>
+            </p:extLst>
+          </p:nvPr>
+        </p:nvGraphicFramePr>
+        <p:xfrm>
+          <a:off x="5825982" y="726296"/>
+          <a:ext cx="2597205" cy="3849681"/>
+        </p:xfrm>
+        <a:graphic>
+          <a:graphicData uri="http://schemas.openxmlformats.org/drawingml/2006/table">
+            <a:tbl>
+              <a:tblPr firstRow="1" bandRow="1">
+                <a:tableStyleId>{5C22544A-7EE6-4342-B048-85BDC9FD1C3A}</a:tableStyleId>
+              </a:tblPr>
+              <a:tblGrid>
+                <a:gridCol w="519441">
+                  <a:extLst>
+                    <a:ext uri="{9D8B030D-6E8A-4147-A177-3AD203B41FA5}">
+                      <a16:colId xmlns:a16="http://schemas.microsoft.com/office/drawing/2014/main" val="4022155822"/>
+                    </a:ext>
+                  </a:extLst>
+                </a:gridCol>
+                <a:gridCol w="519441">
+                  <a:extLst>
+                    <a:ext uri="{9D8B030D-6E8A-4147-A177-3AD203B41FA5}">
+                      <a16:colId xmlns:a16="http://schemas.microsoft.com/office/drawing/2014/main" val="1365157035"/>
+                    </a:ext>
+                  </a:extLst>
+                </a:gridCol>
+                <a:gridCol w="519441">
+                  <a:extLst>
+                    <a:ext uri="{9D8B030D-6E8A-4147-A177-3AD203B41FA5}">
+                      <a16:colId xmlns:a16="http://schemas.microsoft.com/office/drawing/2014/main" val="3914753113"/>
+                    </a:ext>
+                  </a:extLst>
+                </a:gridCol>
+                <a:gridCol w="519441">
+                  <a:extLst>
+                    <a:ext uri="{9D8B030D-6E8A-4147-A177-3AD203B41FA5}">
+                      <a16:colId xmlns:a16="http://schemas.microsoft.com/office/drawing/2014/main" val="1336087670"/>
+                    </a:ext>
+                  </a:extLst>
+                </a:gridCol>
+                <a:gridCol w="519441">
+                  <a:extLst>
+                    <a:ext uri="{9D8B030D-6E8A-4147-A177-3AD203B41FA5}">
+                      <a16:colId xmlns:a16="http://schemas.microsoft.com/office/drawing/2014/main" val="2687006980"/>
+                    </a:ext>
+                  </a:extLst>
+                </a:gridCol>
+              </a:tblGrid>
+              <a:tr h="349971">
+                <a:tc>
+                  <a:txBody>
+                    <a:bodyPr/>
+                    <a:lstStyle/>
+                    <a:p>
+                      <a:r>
+                        <a:rPr lang="zh-TW" altLang="en-US" sz="1200" dirty="0"/>
+                        <a:t>筆數</a:t>
+                      </a:r>
+                    </a:p>
+                  </a:txBody>
+                  <a:tcPr/>
+                </a:tc>
+                <a:tc>
+                  <a:txBody>
+                    <a:bodyPr/>
+                    <a:lstStyle/>
+                    <a:p>
+                      <a:r>
+                        <a:rPr lang="zh-TW" altLang="en-US" sz="1200" dirty="0"/>
+                        <a:t>心跳</a:t>
+                      </a:r>
+                    </a:p>
+                  </a:txBody>
+                  <a:tcPr/>
+                </a:tc>
+                <a:tc>
+                  <a:txBody>
+                    <a:bodyPr/>
+                    <a:lstStyle/>
+                    <a:p>
+                      <a:pPr marL="0" marR="0" lvl="0" indent="0" algn="l" defTabSz="457200" rtl="0" eaLnBrk="1" fontAlgn="auto" latinLnBrk="0" hangingPunct="1">
+                        <a:lnSpc>
+                          <a:spcPct val="100000"/>
+                        </a:lnSpc>
+                        <a:spcBef>
+                          <a:spcPts val="0"/>
+                        </a:spcBef>
+                        <a:spcAft>
+                          <a:spcPts val="0"/>
+                        </a:spcAft>
+                        <a:buClrTx/>
+                        <a:buSzTx/>
+                        <a:buFontTx/>
+                        <a:buNone/>
+                        <a:tabLst/>
+                        <a:defRPr/>
+                      </a:pPr>
+                      <a:r>
+                        <a:rPr lang="zh-TW" altLang="en-US" sz="1200" dirty="0"/>
+                        <a:t>結果</a:t>
+                      </a:r>
+                    </a:p>
+                  </a:txBody>
+                  <a:tcPr/>
+                </a:tc>
+                <a:tc>
+                  <a:txBody>
+                    <a:bodyPr/>
+                    <a:lstStyle/>
+                    <a:p>
+                      <a:pPr marL="0" marR="0" lvl="0" indent="0" algn="l" defTabSz="457200" rtl="0" eaLnBrk="1" fontAlgn="auto" latinLnBrk="0" hangingPunct="1">
+                        <a:lnSpc>
+                          <a:spcPct val="100000"/>
+                        </a:lnSpc>
+                        <a:spcBef>
+                          <a:spcPts val="0"/>
+                        </a:spcBef>
+                        <a:spcAft>
+                          <a:spcPts val="0"/>
+                        </a:spcAft>
+                        <a:buClrTx/>
+                        <a:buSzTx/>
+                        <a:buFontTx/>
+                        <a:buNone/>
+                        <a:tabLst/>
+                        <a:defRPr/>
+                      </a:pPr>
+                      <a:r>
+                        <a:rPr lang="zh-TW" altLang="en-US" sz="1200" dirty="0"/>
+                        <a:t>呼吸</a:t>
+                      </a:r>
+                    </a:p>
+                  </a:txBody>
+                  <a:tcPr/>
+                </a:tc>
+                <a:tc>
+                  <a:txBody>
+                    <a:bodyPr/>
+                    <a:lstStyle/>
+                    <a:p>
+                      <a:pPr marL="0" marR="0" lvl="0" indent="0" algn="l" defTabSz="457200" rtl="0" eaLnBrk="1" fontAlgn="auto" latinLnBrk="0" hangingPunct="1">
+                        <a:lnSpc>
+                          <a:spcPct val="100000"/>
+                        </a:lnSpc>
+                        <a:spcBef>
+                          <a:spcPts val="0"/>
+                        </a:spcBef>
+                        <a:spcAft>
+                          <a:spcPts val="0"/>
+                        </a:spcAft>
+                        <a:buClrTx/>
+                        <a:buSzTx/>
+                        <a:buFontTx/>
+                        <a:buNone/>
+                        <a:tabLst/>
+                        <a:defRPr/>
+                      </a:pPr>
+                      <a:r>
+                        <a:rPr lang="zh-TW" altLang="en-US" sz="1200" dirty="0"/>
+                        <a:t>結果</a:t>
+                      </a:r>
+                    </a:p>
+                  </a:txBody>
+                  <a:tcPr/>
+                </a:tc>
+                <a:extLst>
+                  <a:ext uri="{0D108BD9-81ED-4DB2-BD59-A6C34878D82A}">
+                    <a16:rowId xmlns:a16="http://schemas.microsoft.com/office/drawing/2014/main" val="3607890487"/>
+                  </a:ext>
+                </a:extLst>
+              </a:tr>
+              <a:tr h="349971">
+                <a:tc>
+                  <a:txBody>
+                    <a:bodyPr/>
+                    <a:lstStyle/>
+                    <a:p>
+                      <a:r>
+                        <a:rPr lang="en-US" altLang="zh-TW" sz="1600" dirty="0"/>
+                        <a:t>1</a:t>
+                      </a:r>
+                      <a:endParaRPr lang="zh-TW" altLang="en-US" sz="1600" dirty="0"/>
+                    </a:p>
+                  </a:txBody>
+                  <a:tcPr/>
+                </a:tc>
+                <a:tc>
+                  <a:txBody>
+                    <a:bodyPr/>
+                    <a:lstStyle/>
+                    <a:p>
+                      <a:r>
+                        <a:rPr lang="en-US" altLang="zh-TW" sz="1600" dirty="0"/>
+                        <a:t>73</a:t>
+                      </a:r>
+                      <a:endParaRPr lang="zh-TW" altLang="en-US" sz="1600" dirty="0"/>
+                    </a:p>
+                  </a:txBody>
+                  <a:tcPr/>
+                </a:tc>
+                <a:tc>
+                  <a:txBody>
+                    <a:bodyPr/>
+                    <a:lstStyle/>
+                    <a:p>
+                      <a:r>
+                        <a:rPr lang="en-US" altLang="zh-TW" sz="1600" dirty="0">
+                          <a:solidFill>
+                            <a:srgbClr val="00B050"/>
+                          </a:solidFill>
+                        </a:rPr>
+                        <a:t>77</a:t>
+                      </a:r>
+                      <a:endParaRPr lang="zh-TW" altLang="en-US" sz="1600" dirty="0">
+                        <a:solidFill>
+                          <a:srgbClr val="00B050"/>
+                        </a:solidFill>
+                      </a:endParaRPr>
+                    </a:p>
+                  </a:txBody>
+                  <a:tcPr/>
+                </a:tc>
+                <a:tc>
+                  <a:txBody>
+                    <a:bodyPr/>
+                    <a:lstStyle/>
+                    <a:p>
+                      <a:r>
+                        <a:rPr lang="en-US" altLang="zh-TW" sz="1600" dirty="0"/>
+                        <a:t>20</a:t>
+                      </a:r>
+                      <a:endParaRPr lang="zh-TW" altLang="en-US" sz="1600" dirty="0"/>
+                    </a:p>
+                  </a:txBody>
+                  <a:tcPr/>
+                </a:tc>
+                <a:tc>
+                  <a:txBody>
+                    <a:bodyPr/>
+                    <a:lstStyle/>
+                    <a:p>
+                      <a:r>
+                        <a:rPr lang="en-US" altLang="zh-TW" sz="1600" dirty="0">
+                          <a:solidFill>
+                            <a:srgbClr val="FF0000"/>
+                          </a:solidFill>
+                        </a:rPr>
+                        <a:t>17</a:t>
+                      </a:r>
+                      <a:endParaRPr lang="zh-TW" altLang="en-US" sz="1600" dirty="0">
+                        <a:solidFill>
+                          <a:srgbClr val="FF0000"/>
+                        </a:solidFill>
+                      </a:endParaRPr>
+                    </a:p>
+                  </a:txBody>
+                  <a:tcPr/>
+                </a:tc>
+                <a:extLst>
+                  <a:ext uri="{0D108BD9-81ED-4DB2-BD59-A6C34878D82A}">
+                    <a16:rowId xmlns:a16="http://schemas.microsoft.com/office/drawing/2014/main" val="799478530"/>
+                  </a:ext>
+                </a:extLst>
+              </a:tr>
+              <a:tr h="349971">
+                <a:tc>
+                  <a:txBody>
+                    <a:bodyPr/>
+                    <a:lstStyle/>
+                    <a:p>
+                      <a:r>
+                        <a:rPr lang="en-US" altLang="zh-TW" sz="1600" dirty="0"/>
+                        <a:t>2</a:t>
+                      </a:r>
+                      <a:endParaRPr lang="zh-TW" altLang="en-US" sz="1600" dirty="0"/>
+                    </a:p>
+                  </a:txBody>
+                  <a:tcPr/>
+                </a:tc>
+                <a:tc>
+                  <a:txBody>
+                    <a:bodyPr/>
+                    <a:lstStyle/>
+                    <a:p>
+                      <a:r>
+                        <a:rPr lang="en-US" altLang="zh-TW" sz="1600" dirty="0"/>
+                        <a:t>75</a:t>
+                      </a:r>
+                      <a:endParaRPr lang="zh-TW" altLang="en-US" sz="1600" dirty="0"/>
+                    </a:p>
+                  </a:txBody>
+                  <a:tcPr/>
+                </a:tc>
+                <a:tc>
+                  <a:txBody>
+                    <a:bodyPr/>
+                    <a:lstStyle/>
+                    <a:p>
+                      <a:r>
+                        <a:rPr lang="en-US" altLang="zh-TW" sz="1600" dirty="0">
+                          <a:solidFill>
+                            <a:srgbClr val="00B050"/>
+                          </a:solidFill>
+                        </a:rPr>
+                        <a:t>75</a:t>
+                      </a:r>
+                      <a:endParaRPr lang="zh-TW" altLang="en-US" sz="1600" dirty="0">
+                        <a:solidFill>
+                          <a:srgbClr val="00B050"/>
+                        </a:solidFill>
+                      </a:endParaRPr>
+                    </a:p>
+                  </a:txBody>
+                  <a:tcPr/>
+                </a:tc>
+                <a:tc>
+                  <a:txBody>
+                    <a:bodyPr/>
+                    <a:lstStyle/>
+                    <a:p>
+                      <a:r>
+                        <a:rPr lang="en-US" altLang="zh-TW" sz="1600" dirty="0"/>
+                        <a:t>15</a:t>
+                      </a:r>
+                      <a:endParaRPr lang="zh-TW" altLang="en-US" sz="1600" dirty="0"/>
+                    </a:p>
+                  </a:txBody>
+                  <a:tcPr/>
+                </a:tc>
+                <a:tc>
+                  <a:txBody>
+                    <a:bodyPr/>
+                    <a:lstStyle/>
+                    <a:p>
+                      <a:r>
+                        <a:rPr lang="en-US" altLang="zh-TW" sz="1600" dirty="0">
+                          <a:solidFill>
+                            <a:srgbClr val="00B050"/>
+                          </a:solidFill>
+                        </a:rPr>
+                        <a:t>14</a:t>
+                      </a:r>
+                      <a:endParaRPr lang="zh-TW" altLang="en-US" sz="1600" dirty="0">
+                        <a:solidFill>
+                          <a:srgbClr val="00B050"/>
+                        </a:solidFill>
+                      </a:endParaRPr>
+                    </a:p>
+                  </a:txBody>
+                  <a:tcPr/>
+                </a:tc>
+                <a:extLst>
+                  <a:ext uri="{0D108BD9-81ED-4DB2-BD59-A6C34878D82A}">
+                    <a16:rowId xmlns:a16="http://schemas.microsoft.com/office/drawing/2014/main" val="2671778474"/>
+                  </a:ext>
+                </a:extLst>
+              </a:tr>
+              <a:tr h="349971">
+                <a:tc>
+                  <a:txBody>
+                    <a:bodyPr/>
+                    <a:lstStyle/>
+                    <a:p>
+                      <a:r>
+                        <a:rPr lang="en-US" altLang="zh-TW" sz="1600" dirty="0"/>
+                        <a:t>3</a:t>
+                      </a:r>
+                      <a:endParaRPr lang="zh-TW" altLang="en-US" sz="1600" dirty="0"/>
+                    </a:p>
+                  </a:txBody>
+                  <a:tcPr/>
+                </a:tc>
+                <a:tc>
+                  <a:txBody>
+                    <a:bodyPr/>
+                    <a:lstStyle/>
+                    <a:p>
+                      <a:r>
+                        <a:rPr lang="en-US" altLang="zh-TW" sz="1600" dirty="0"/>
+                        <a:t>80</a:t>
+                      </a:r>
+                      <a:endParaRPr lang="zh-TW" altLang="en-US" sz="1600" dirty="0"/>
+                    </a:p>
+                  </a:txBody>
+                  <a:tcPr/>
+                </a:tc>
+                <a:tc>
+                  <a:txBody>
+                    <a:bodyPr/>
+                    <a:lstStyle/>
+                    <a:p>
+                      <a:r>
+                        <a:rPr lang="en-US" altLang="zh-TW" sz="1600" dirty="0">
+                          <a:solidFill>
+                            <a:srgbClr val="00B050"/>
+                          </a:solidFill>
+                        </a:rPr>
+                        <a:t>78</a:t>
+                      </a:r>
+                      <a:endParaRPr lang="zh-TW" altLang="en-US" sz="1600" dirty="0">
+                        <a:solidFill>
+                          <a:srgbClr val="00B050"/>
+                        </a:solidFill>
+                      </a:endParaRPr>
+                    </a:p>
+                  </a:txBody>
+                  <a:tcPr/>
+                </a:tc>
+                <a:tc>
+                  <a:txBody>
+                    <a:bodyPr/>
+                    <a:lstStyle/>
+                    <a:p>
+                      <a:r>
+                        <a:rPr lang="en-US" altLang="zh-TW" sz="1600" dirty="0"/>
+                        <a:t>18</a:t>
+                      </a:r>
+                      <a:endParaRPr lang="zh-TW" altLang="en-US" sz="1600" dirty="0"/>
+                    </a:p>
+                  </a:txBody>
+                  <a:tcPr/>
+                </a:tc>
+                <a:tc>
+                  <a:txBody>
+                    <a:bodyPr/>
+                    <a:lstStyle/>
+                    <a:p>
+                      <a:r>
+                        <a:rPr lang="en-US" altLang="zh-TW" sz="1600" dirty="0">
+                          <a:solidFill>
+                            <a:srgbClr val="00B050"/>
+                          </a:solidFill>
+                        </a:rPr>
+                        <a:t>17</a:t>
+                      </a:r>
+                      <a:endParaRPr lang="zh-TW" altLang="en-US" sz="1600" dirty="0">
+                        <a:solidFill>
+                          <a:srgbClr val="00B050"/>
+                        </a:solidFill>
+                      </a:endParaRPr>
+                    </a:p>
+                  </a:txBody>
+                  <a:tcPr/>
+                </a:tc>
+                <a:extLst>
+                  <a:ext uri="{0D108BD9-81ED-4DB2-BD59-A6C34878D82A}">
+                    <a16:rowId xmlns:a16="http://schemas.microsoft.com/office/drawing/2014/main" val="368224746"/>
+                  </a:ext>
+                </a:extLst>
+              </a:tr>
+              <a:tr h="349971">
+                <a:tc>
+                  <a:txBody>
+                    <a:bodyPr/>
+                    <a:lstStyle/>
+                    <a:p>
+                      <a:r>
+                        <a:rPr lang="en-US" altLang="zh-TW" sz="1600" dirty="0"/>
+                        <a:t>4</a:t>
+                      </a:r>
+                      <a:endParaRPr lang="zh-TW" altLang="en-US" sz="1600" dirty="0"/>
+                    </a:p>
+                  </a:txBody>
+                  <a:tcPr/>
+                </a:tc>
+                <a:tc>
+                  <a:txBody>
+                    <a:bodyPr/>
+                    <a:lstStyle/>
+                    <a:p>
+                      <a:r>
+                        <a:rPr lang="en-US" altLang="zh-TW" sz="1600" dirty="0"/>
+                        <a:t>80</a:t>
+                      </a:r>
+                      <a:endParaRPr lang="zh-TW" altLang="en-US" sz="1600" dirty="0"/>
+                    </a:p>
+                  </a:txBody>
+                  <a:tcPr/>
+                </a:tc>
+                <a:tc>
+                  <a:txBody>
+                    <a:bodyPr/>
+                    <a:lstStyle/>
+                    <a:p>
+                      <a:r>
+                        <a:rPr lang="en-US" altLang="zh-TW" sz="1600" dirty="0">
+                          <a:solidFill>
+                            <a:srgbClr val="00B050"/>
+                          </a:solidFill>
+                        </a:rPr>
+                        <a:t>83</a:t>
+                      </a:r>
+                      <a:endParaRPr lang="zh-TW" altLang="en-US" sz="1600" dirty="0">
+                        <a:solidFill>
+                          <a:srgbClr val="00B050"/>
+                        </a:solidFill>
+                      </a:endParaRPr>
+                    </a:p>
+                  </a:txBody>
+                  <a:tcPr/>
+                </a:tc>
+                <a:tc>
+                  <a:txBody>
+                    <a:bodyPr/>
+                    <a:lstStyle/>
+                    <a:p>
+                      <a:r>
+                        <a:rPr lang="en-US" altLang="zh-TW" sz="1600" dirty="0"/>
+                        <a:t>16</a:t>
+                      </a:r>
+                      <a:endParaRPr lang="zh-TW" altLang="en-US" sz="1600" dirty="0"/>
+                    </a:p>
+                  </a:txBody>
+                  <a:tcPr/>
+                </a:tc>
+                <a:tc>
+                  <a:txBody>
+                    <a:bodyPr/>
+                    <a:lstStyle/>
+                    <a:p>
+                      <a:r>
+                        <a:rPr lang="en-US" altLang="zh-TW" sz="1600" dirty="0">
+                          <a:solidFill>
+                            <a:srgbClr val="00B050"/>
+                          </a:solidFill>
+                        </a:rPr>
+                        <a:t>18</a:t>
+                      </a:r>
+                      <a:endParaRPr lang="zh-TW" altLang="en-US" sz="1600" dirty="0">
+                        <a:solidFill>
+                          <a:srgbClr val="00B050"/>
+                        </a:solidFill>
+                      </a:endParaRPr>
+                    </a:p>
+                  </a:txBody>
+                  <a:tcPr/>
+                </a:tc>
+                <a:extLst>
+                  <a:ext uri="{0D108BD9-81ED-4DB2-BD59-A6C34878D82A}">
+                    <a16:rowId xmlns:a16="http://schemas.microsoft.com/office/drawing/2014/main" val="204919228"/>
+                  </a:ext>
+                </a:extLst>
+              </a:tr>
+              <a:tr h="349971">
+                <a:tc>
+                  <a:txBody>
+                    <a:bodyPr/>
+                    <a:lstStyle/>
+                    <a:p>
+                      <a:r>
+                        <a:rPr lang="en-US" altLang="zh-TW" sz="1600" dirty="0"/>
+                        <a:t>5</a:t>
+                      </a:r>
+                      <a:endParaRPr lang="zh-TW" altLang="en-US" sz="1600" dirty="0"/>
+                    </a:p>
+                  </a:txBody>
+                  <a:tcPr/>
+                </a:tc>
+                <a:tc>
+                  <a:txBody>
+                    <a:bodyPr/>
+                    <a:lstStyle/>
+                    <a:p>
+                      <a:r>
+                        <a:rPr lang="en-US" altLang="zh-TW" sz="1600" dirty="0"/>
+                        <a:t>76</a:t>
+                      </a:r>
+                      <a:endParaRPr lang="zh-TW" altLang="en-US" sz="1600" dirty="0"/>
+                    </a:p>
+                  </a:txBody>
+                  <a:tcPr/>
+                </a:tc>
+                <a:tc>
+                  <a:txBody>
+                    <a:bodyPr/>
+                    <a:lstStyle/>
+                    <a:p>
+                      <a:r>
+                        <a:rPr lang="en-US" altLang="zh-TW" sz="1600" dirty="0">
+                          <a:solidFill>
+                            <a:srgbClr val="00B050"/>
+                          </a:solidFill>
+                        </a:rPr>
+                        <a:t>77</a:t>
+                      </a:r>
+                      <a:endParaRPr lang="zh-TW" altLang="en-US" sz="1600" dirty="0">
+                        <a:solidFill>
+                          <a:srgbClr val="00B050"/>
+                        </a:solidFill>
+                      </a:endParaRPr>
+                    </a:p>
+                  </a:txBody>
+                  <a:tcPr/>
+                </a:tc>
+                <a:tc>
+                  <a:txBody>
+                    <a:bodyPr/>
+                    <a:lstStyle/>
+                    <a:p>
+                      <a:r>
+                        <a:rPr lang="en-US" altLang="zh-TW" sz="1600" dirty="0"/>
+                        <a:t>15</a:t>
+                      </a:r>
+                      <a:endParaRPr lang="zh-TW" altLang="en-US" sz="1600" dirty="0"/>
+                    </a:p>
+                  </a:txBody>
+                  <a:tcPr/>
+                </a:tc>
+                <a:tc>
+                  <a:txBody>
+                    <a:bodyPr/>
+                    <a:lstStyle/>
+                    <a:p>
+                      <a:r>
+                        <a:rPr lang="en-US" altLang="zh-TW" sz="1600" dirty="0">
+                          <a:solidFill>
+                            <a:srgbClr val="FF0000"/>
+                          </a:solidFill>
+                        </a:rPr>
+                        <a:t>18</a:t>
+                      </a:r>
+                      <a:endParaRPr lang="zh-TW" altLang="en-US" sz="1600" dirty="0">
+                        <a:solidFill>
+                          <a:srgbClr val="FF0000"/>
+                        </a:solidFill>
+                      </a:endParaRPr>
+                    </a:p>
+                  </a:txBody>
+                  <a:tcPr/>
+                </a:tc>
+                <a:extLst>
+                  <a:ext uri="{0D108BD9-81ED-4DB2-BD59-A6C34878D82A}">
+                    <a16:rowId xmlns:a16="http://schemas.microsoft.com/office/drawing/2014/main" val="2395672378"/>
+                  </a:ext>
+                </a:extLst>
+              </a:tr>
+              <a:tr h="349971">
+                <a:tc>
+                  <a:txBody>
+                    <a:bodyPr/>
+                    <a:lstStyle/>
+                    <a:p>
+                      <a:r>
+                        <a:rPr lang="en-US" altLang="zh-TW" sz="1600" dirty="0"/>
+                        <a:t>6</a:t>
+                      </a:r>
+                      <a:endParaRPr lang="zh-TW" altLang="en-US" sz="1600" dirty="0"/>
+                    </a:p>
+                  </a:txBody>
+                  <a:tcPr/>
+                </a:tc>
+                <a:tc>
+                  <a:txBody>
+                    <a:bodyPr/>
+                    <a:lstStyle/>
+                    <a:p>
+                      <a:r>
+                        <a:rPr lang="en-US" altLang="zh-TW" sz="1600" dirty="0"/>
+                        <a:t>79</a:t>
+                      </a:r>
+                      <a:endParaRPr lang="zh-TW" altLang="en-US" sz="1600" dirty="0"/>
+                    </a:p>
+                  </a:txBody>
+                  <a:tcPr/>
+                </a:tc>
+                <a:tc>
+                  <a:txBody>
+                    <a:bodyPr/>
+                    <a:lstStyle/>
+                    <a:p>
+                      <a:r>
+                        <a:rPr lang="en-US" altLang="zh-TW" sz="1600" dirty="0">
+                          <a:solidFill>
+                            <a:srgbClr val="00B050"/>
+                          </a:solidFill>
+                        </a:rPr>
+                        <a:t>82</a:t>
+                      </a:r>
+                      <a:endParaRPr lang="zh-TW" altLang="en-US" sz="1600" dirty="0">
+                        <a:solidFill>
+                          <a:srgbClr val="00B050"/>
+                        </a:solidFill>
+                      </a:endParaRPr>
+                    </a:p>
+                  </a:txBody>
+                  <a:tcPr/>
+                </a:tc>
+                <a:tc>
+                  <a:txBody>
+                    <a:bodyPr/>
+                    <a:lstStyle/>
+                    <a:p>
+                      <a:r>
+                        <a:rPr lang="en-US" altLang="zh-TW" sz="1600" dirty="0"/>
+                        <a:t>13</a:t>
+                      </a:r>
+                      <a:endParaRPr lang="zh-TW" altLang="en-US" sz="1600" dirty="0"/>
+                    </a:p>
+                  </a:txBody>
+                  <a:tcPr/>
+                </a:tc>
+                <a:tc>
+                  <a:txBody>
+                    <a:bodyPr/>
+                    <a:lstStyle/>
+                    <a:p>
+                      <a:r>
+                        <a:rPr lang="en-US" altLang="zh-TW" sz="1600" dirty="0">
+                          <a:solidFill>
+                            <a:srgbClr val="00B050"/>
+                          </a:solidFill>
+                        </a:rPr>
+                        <a:t>15</a:t>
+                      </a:r>
+                      <a:endParaRPr lang="zh-TW" altLang="en-US" sz="1600" dirty="0">
+                        <a:solidFill>
+                          <a:srgbClr val="00B050"/>
+                        </a:solidFill>
+                      </a:endParaRPr>
+                    </a:p>
+                  </a:txBody>
+                  <a:tcPr/>
+                </a:tc>
+                <a:extLst>
+                  <a:ext uri="{0D108BD9-81ED-4DB2-BD59-A6C34878D82A}">
+                    <a16:rowId xmlns:a16="http://schemas.microsoft.com/office/drawing/2014/main" val="2764133210"/>
+                  </a:ext>
+                </a:extLst>
+              </a:tr>
+              <a:tr h="349971">
+                <a:tc>
+                  <a:txBody>
+                    <a:bodyPr/>
+                    <a:lstStyle/>
+                    <a:p>
+                      <a:r>
+                        <a:rPr lang="en-US" altLang="zh-TW" sz="1600" dirty="0"/>
+                        <a:t>7</a:t>
+                      </a:r>
+                      <a:endParaRPr lang="zh-TW" altLang="en-US" sz="1600" dirty="0"/>
+                    </a:p>
+                  </a:txBody>
+                  <a:tcPr/>
+                </a:tc>
+                <a:tc>
+                  <a:txBody>
+                    <a:bodyPr/>
+                    <a:lstStyle/>
+                    <a:p>
+                      <a:r>
+                        <a:rPr lang="en-US" altLang="zh-TW" sz="1600" dirty="0"/>
+                        <a:t>83</a:t>
+                      </a:r>
+                      <a:endParaRPr lang="zh-TW" altLang="en-US" sz="1600" dirty="0"/>
+                    </a:p>
+                  </a:txBody>
+                  <a:tcPr/>
+                </a:tc>
+                <a:tc>
+                  <a:txBody>
+                    <a:bodyPr/>
+                    <a:lstStyle/>
+                    <a:p>
+                      <a:r>
+                        <a:rPr lang="en-US" altLang="zh-TW" sz="1600" dirty="0">
+                          <a:solidFill>
+                            <a:srgbClr val="00B050"/>
+                          </a:solidFill>
+                        </a:rPr>
+                        <a:t>84</a:t>
+                      </a:r>
+                      <a:endParaRPr lang="zh-TW" altLang="en-US" sz="1600" dirty="0">
+                        <a:solidFill>
+                          <a:srgbClr val="00B050"/>
+                        </a:solidFill>
+                      </a:endParaRPr>
+                    </a:p>
+                  </a:txBody>
+                  <a:tcPr/>
+                </a:tc>
+                <a:tc>
+                  <a:txBody>
+                    <a:bodyPr/>
+                    <a:lstStyle/>
+                    <a:p>
+                      <a:r>
+                        <a:rPr lang="en-US" altLang="zh-TW" sz="1600" dirty="0"/>
+                        <a:t>14</a:t>
+                      </a:r>
+                      <a:endParaRPr lang="zh-TW" altLang="en-US" sz="1600" dirty="0"/>
+                    </a:p>
+                  </a:txBody>
+                  <a:tcPr/>
+                </a:tc>
+                <a:tc>
+                  <a:txBody>
+                    <a:bodyPr/>
+                    <a:lstStyle/>
+                    <a:p>
+                      <a:r>
+                        <a:rPr lang="en-US" altLang="zh-TW" sz="1600" dirty="0">
+                          <a:solidFill>
+                            <a:srgbClr val="FF0000"/>
+                          </a:solidFill>
+                        </a:rPr>
+                        <a:t>18</a:t>
+                      </a:r>
+                      <a:endParaRPr lang="zh-TW" altLang="en-US" sz="1600" dirty="0">
+                        <a:solidFill>
+                          <a:srgbClr val="FF0000"/>
+                        </a:solidFill>
+                      </a:endParaRPr>
+                    </a:p>
+                  </a:txBody>
+                  <a:tcPr/>
+                </a:tc>
+                <a:extLst>
+                  <a:ext uri="{0D108BD9-81ED-4DB2-BD59-A6C34878D82A}">
+                    <a16:rowId xmlns:a16="http://schemas.microsoft.com/office/drawing/2014/main" val="2688250427"/>
+                  </a:ext>
+                </a:extLst>
+              </a:tr>
+              <a:tr h="349971">
+                <a:tc>
+                  <a:txBody>
+                    <a:bodyPr/>
+                    <a:lstStyle/>
+                    <a:p>
+                      <a:r>
+                        <a:rPr lang="en-US" altLang="zh-TW" sz="1600" dirty="0"/>
+                        <a:t>8</a:t>
+                      </a:r>
+                      <a:endParaRPr lang="zh-TW" altLang="en-US" sz="1600" dirty="0"/>
+                    </a:p>
+                  </a:txBody>
+                  <a:tcPr/>
+                </a:tc>
+                <a:tc>
+                  <a:txBody>
+                    <a:bodyPr/>
+                    <a:lstStyle/>
+                    <a:p>
+                      <a:r>
+                        <a:rPr lang="en-US" altLang="zh-TW" sz="1600" dirty="0"/>
+                        <a:t>79</a:t>
+                      </a:r>
+                      <a:endParaRPr lang="zh-TW" altLang="en-US" sz="1600" dirty="0"/>
+                    </a:p>
+                  </a:txBody>
+                  <a:tcPr/>
+                </a:tc>
+                <a:tc>
+                  <a:txBody>
+                    <a:bodyPr/>
+                    <a:lstStyle/>
+                    <a:p>
+                      <a:r>
+                        <a:rPr lang="en-US" altLang="zh-TW" sz="1600" dirty="0">
+                          <a:solidFill>
+                            <a:srgbClr val="00B050"/>
+                          </a:solidFill>
+                        </a:rPr>
+                        <a:t>84</a:t>
+                      </a:r>
+                      <a:endParaRPr lang="zh-TW" altLang="en-US" sz="1600" dirty="0">
+                        <a:solidFill>
+                          <a:srgbClr val="00B050"/>
+                        </a:solidFill>
+                      </a:endParaRPr>
+                    </a:p>
+                  </a:txBody>
+                  <a:tcPr/>
+                </a:tc>
+                <a:tc>
+                  <a:txBody>
+                    <a:bodyPr/>
+                    <a:lstStyle/>
+                    <a:p>
+                      <a:r>
+                        <a:rPr lang="en-US" altLang="zh-TW" sz="1600" dirty="0"/>
+                        <a:t>14</a:t>
+                      </a:r>
+                      <a:endParaRPr lang="zh-TW" altLang="en-US" sz="1600" dirty="0"/>
+                    </a:p>
+                  </a:txBody>
+                  <a:tcPr/>
+                </a:tc>
+                <a:tc>
+                  <a:txBody>
+                    <a:bodyPr/>
+                    <a:lstStyle/>
+                    <a:p>
+                      <a:r>
+                        <a:rPr lang="en-US" altLang="zh-TW" sz="1600" dirty="0">
+                          <a:solidFill>
+                            <a:srgbClr val="00B050"/>
+                          </a:solidFill>
+                        </a:rPr>
+                        <a:t>15</a:t>
+                      </a:r>
+                      <a:endParaRPr lang="zh-TW" altLang="en-US" sz="1600" dirty="0">
+                        <a:solidFill>
+                          <a:srgbClr val="00B050"/>
+                        </a:solidFill>
+                      </a:endParaRPr>
+                    </a:p>
+                  </a:txBody>
+                  <a:tcPr/>
+                </a:tc>
+                <a:extLst>
+                  <a:ext uri="{0D108BD9-81ED-4DB2-BD59-A6C34878D82A}">
+                    <a16:rowId xmlns:a16="http://schemas.microsoft.com/office/drawing/2014/main" val="137057913"/>
+                  </a:ext>
+                </a:extLst>
+              </a:tr>
+              <a:tr h="349971">
+                <a:tc>
+                  <a:txBody>
+                    <a:bodyPr/>
+                    <a:lstStyle/>
+                    <a:p>
+                      <a:r>
+                        <a:rPr lang="en-US" altLang="zh-TW" sz="1600" dirty="0"/>
+                        <a:t>9</a:t>
+                      </a:r>
+                      <a:endParaRPr lang="zh-TW" altLang="en-US" sz="1600" dirty="0"/>
+                    </a:p>
+                  </a:txBody>
+                  <a:tcPr/>
+                </a:tc>
+                <a:tc>
+                  <a:txBody>
+                    <a:bodyPr/>
+                    <a:lstStyle/>
+                    <a:p>
+                      <a:r>
+                        <a:rPr lang="en-US" altLang="zh-TW" sz="1600" dirty="0"/>
+                        <a:t>78</a:t>
+                      </a:r>
+                      <a:endParaRPr lang="zh-TW" altLang="en-US" sz="1600" dirty="0"/>
+                    </a:p>
+                  </a:txBody>
+                  <a:tcPr/>
+                </a:tc>
+                <a:tc>
+                  <a:txBody>
+                    <a:bodyPr/>
+                    <a:lstStyle/>
+                    <a:p>
+                      <a:r>
+                        <a:rPr lang="en-US" altLang="zh-TW" sz="1600" dirty="0">
+                          <a:solidFill>
+                            <a:srgbClr val="00B050"/>
+                          </a:solidFill>
+                        </a:rPr>
+                        <a:t>81</a:t>
+                      </a:r>
+                      <a:endParaRPr lang="zh-TW" altLang="en-US" sz="1600" dirty="0">
+                        <a:solidFill>
+                          <a:srgbClr val="00B050"/>
+                        </a:solidFill>
+                      </a:endParaRPr>
+                    </a:p>
+                  </a:txBody>
+                  <a:tcPr/>
+                </a:tc>
+                <a:tc>
+                  <a:txBody>
+                    <a:bodyPr/>
+                    <a:lstStyle/>
+                    <a:p>
+                      <a:r>
+                        <a:rPr lang="en-US" altLang="zh-TW" sz="1600" dirty="0"/>
+                        <a:t>14</a:t>
+                      </a:r>
+                      <a:endParaRPr lang="zh-TW" altLang="en-US" sz="1600" dirty="0"/>
+                    </a:p>
+                  </a:txBody>
+                  <a:tcPr/>
+                </a:tc>
+                <a:tc>
+                  <a:txBody>
+                    <a:bodyPr/>
+                    <a:lstStyle/>
+                    <a:p>
+                      <a:r>
+                        <a:rPr lang="en-US" altLang="zh-TW" sz="1600" dirty="0">
+                          <a:solidFill>
+                            <a:srgbClr val="00B050"/>
+                          </a:solidFill>
+                        </a:rPr>
+                        <a:t>15</a:t>
+                      </a:r>
+                      <a:endParaRPr lang="zh-TW" altLang="en-US" sz="1600" dirty="0">
+                        <a:solidFill>
+                          <a:srgbClr val="00B050"/>
+                        </a:solidFill>
+                      </a:endParaRPr>
+                    </a:p>
+                  </a:txBody>
+                  <a:tcPr/>
+                </a:tc>
+                <a:extLst>
+                  <a:ext uri="{0D108BD9-81ED-4DB2-BD59-A6C34878D82A}">
+                    <a16:rowId xmlns:a16="http://schemas.microsoft.com/office/drawing/2014/main" val="1012143525"/>
+                  </a:ext>
+                </a:extLst>
+              </a:tr>
+              <a:tr h="349971">
+                <a:tc>
+                  <a:txBody>
+                    <a:bodyPr/>
+                    <a:lstStyle/>
+                    <a:p>
+                      <a:r>
+                        <a:rPr lang="en-US" altLang="zh-TW" sz="1600" dirty="0"/>
+                        <a:t>10</a:t>
+                      </a:r>
+                      <a:endParaRPr lang="zh-TW" altLang="en-US" sz="1600" dirty="0"/>
+                    </a:p>
+                  </a:txBody>
+                  <a:tcPr/>
+                </a:tc>
+                <a:tc>
+                  <a:txBody>
+                    <a:bodyPr/>
+                    <a:lstStyle/>
+                    <a:p>
+                      <a:r>
+                        <a:rPr lang="en-US" altLang="zh-TW" sz="1600" dirty="0"/>
+                        <a:t>84</a:t>
+                      </a:r>
+                      <a:endParaRPr lang="zh-TW" altLang="en-US" sz="1600" dirty="0"/>
+                    </a:p>
+                  </a:txBody>
+                  <a:tcPr/>
+                </a:tc>
+                <a:tc>
+                  <a:txBody>
+                    <a:bodyPr/>
+                    <a:lstStyle/>
+                    <a:p>
+                      <a:r>
+                        <a:rPr lang="en-US" altLang="zh-TW" sz="1600" dirty="0">
+                          <a:solidFill>
+                            <a:srgbClr val="00B050"/>
+                          </a:solidFill>
+                        </a:rPr>
+                        <a:t>84</a:t>
+                      </a:r>
+                      <a:endParaRPr lang="zh-TW" altLang="en-US" sz="1600" dirty="0">
+                        <a:solidFill>
+                          <a:srgbClr val="00B050"/>
+                        </a:solidFill>
+                      </a:endParaRPr>
+                    </a:p>
+                  </a:txBody>
+                  <a:tcPr/>
+                </a:tc>
+                <a:tc>
+                  <a:txBody>
+                    <a:bodyPr/>
+                    <a:lstStyle/>
+                    <a:p>
+                      <a:r>
+                        <a:rPr lang="en-US" altLang="zh-TW" sz="1600" dirty="0"/>
+                        <a:t>13</a:t>
+                      </a:r>
+                      <a:endParaRPr lang="zh-TW" altLang="en-US" sz="1600" dirty="0"/>
+                    </a:p>
+                  </a:txBody>
+                  <a:tcPr/>
+                </a:tc>
+                <a:tc>
+                  <a:txBody>
+                    <a:bodyPr/>
+                    <a:lstStyle/>
+                    <a:p>
+                      <a:r>
+                        <a:rPr lang="en-US" altLang="zh-TW" sz="1600" dirty="0">
+                          <a:solidFill>
+                            <a:srgbClr val="FF0000"/>
+                          </a:solidFill>
+                        </a:rPr>
+                        <a:t>16</a:t>
+                      </a:r>
+                      <a:endParaRPr lang="zh-TW" altLang="en-US" sz="1600" dirty="0">
+                        <a:solidFill>
+                          <a:srgbClr val="FF0000"/>
+                        </a:solidFill>
+                      </a:endParaRPr>
+                    </a:p>
+                  </a:txBody>
+                  <a:tcPr/>
+                </a:tc>
+                <a:extLst>
+                  <a:ext uri="{0D108BD9-81ED-4DB2-BD59-A6C34878D82A}">
+                    <a16:rowId xmlns:a16="http://schemas.microsoft.com/office/drawing/2014/main" val="3920051214"/>
+                  </a:ext>
+                </a:extLst>
+              </a:tr>
+            </a:tbl>
+          </a:graphicData>
+        </a:graphic>
+      </p:graphicFrame>
+      <p:graphicFrame>
+        <p:nvGraphicFramePr>
+          <p:cNvPr id="10" name="表格 6">
+            <a:extLst>
+              <a:ext uri="{FF2B5EF4-FFF2-40B4-BE49-F238E27FC236}">
+                <a16:creationId xmlns:a16="http://schemas.microsoft.com/office/drawing/2014/main" id="{99158091-CEA1-4B11-A712-6142FB6A12B1}"/>
+              </a:ext>
+            </a:extLst>
+          </p:cNvPr>
+          <p:cNvGraphicFramePr>
+            <a:graphicFrameLocks/>
+          </p:cNvGraphicFramePr>
+          <p:nvPr>
+            <p:extLst>
+              <p:ext uri="{D42A27DB-BD31-4B8C-83A1-F6EECF244321}">
+                <p14:modId xmlns:p14="http://schemas.microsoft.com/office/powerpoint/2010/main" val="313593411"/>
+              </p:ext>
+            </p:extLst>
+          </p:nvPr>
+        </p:nvGraphicFramePr>
+        <p:xfrm>
+          <a:off x="8635084" y="726296"/>
+          <a:ext cx="2597205" cy="3849681"/>
+        </p:xfrm>
+        <a:graphic>
+          <a:graphicData uri="http://schemas.openxmlformats.org/drawingml/2006/table">
+            <a:tbl>
+              <a:tblPr firstRow="1" bandRow="1">
+                <a:tableStyleId>{5C22544A-7EE6-4342-B048-85BDC9FD1C3A}</a:tableStyleId>
+              </a:tblPr>
+              <a:tblGrid>
+                <a:gridCol w="519441">
+                  <a:extLst>
+                    <a:ext uri="{9D8B030D-6E8A-4147-A177-3AD203B41FA5}">
+                      <a16:colId xmlns:a16="http://schemas.microsoft.com/office/drawing/2014/main" val="4022155822"/>
+                    </a:ext>
+                  </a:extLst>
+                </a:gridCol>
+                <a:gridCol w="519441">
+                  <a:extLst>
+                    <a:ext uri="{9D8B030D-6E8A-4147-A177-3AD203B41FA5}">
+                      <a16:colId xmlns:a16="http://schemas.microsoft.com/office/drawing/2014/main" val="1365157035"/>
+                    </a:ext>
+                  </a:extLst>
+                </a:gridCol>
+                <a:gridCol w="519441">
+                  <a:extLst>
+                    <a:ext uri="{9D8B030D-6E8A-4147-A177-3AD203B41FA5}">
+                      <a16:colId xmlns:a16="http://schemas.microsoft.com/office/drawing/2014/main" val="3914753113"/>
+                    </a:ext>
+                  </a:extLst>
+                </a:gridCol>
+                <a:gridCol w="519441">
+                  <a:extLst>
+                    <a:ext uri="{9D8B030D-6E8A-4147-A177-3AD203B41FA5}">
+                      <a16:colId xmlns:a16="http://schemas.microsoft.com/office/drawing/2014/main" val="1336087670"/>
+                    </a:ext>
+                  </a:extLst>
+                </a:gridCol>
+                <a:gridCol w="519441">
+                  <a:extLst>
+                    <a:ext uri="{9D8B030D-6E8A-4147-A177-3AD203B41FA5}">
+                      <a16:colId xmlns:a16="http://schemas.microsoft.com/office/drawing/2014/main" val="2687006980"/>
+                    </a:ext>
+                  </a:extLst>
+                </a:gridCol>
+              </a:tblGrid>
+              <a:tr h="349971">
+                <a:tc>
+                  <a:txBody>
+                    <a:bodyPr/>
+                    <a:lstStyle/>
+                    <a:p>
+                      <a:r>
+                        <a:rPr lang="zh-TW" altLang="en-US" sz="1200" dirty="0"/>
+                        <a:t>筆數</a:t>
+                      </a:r>
+                    </a:p>
+                  </a:txBody>
+                  <a:tcPr/>
+                </a:tc>
+                <a:tc>
+                  <a:txBody>
+                    <a:bodyPr/>
+                    <a:lstStyle/>
+                    <a:p>
+                      <a:r>
+                        <a:rPr lang="zh-TW" altLang="en-US" sz="1200" dirty="0"/>
+                        <a:t>心跳</a:t>
+                      </a:r>
+                    </a:p>
+                  </a:txBody>
+                  <a:tcPr/>
+                </a:tc>
+                <a:tc>
+                  <a:txBody>
+                    <a:bodyPr/>
+                    <a:lstStyle/>
+                    <a:p>
+                      <a:pPr marL="0" marR="0" lvl="0" indent="0" algn="l" defTabSz="457200" rtl="0" eaLnBrk="1" fontAlgn="auto" latinLnBrk="0" hangingPunct="1">
+                        <a:lnSpc>
+                          <a:spcPct val="100000"/>
+                        </a:lnSpc>
+                        <a:spcBef>
+                          <a:spcPts val="0"/>
+                        </a:spcBef>
+                        <a:spcAft>
+                          <a:spcPts val="0"/>
+                        </a:spcAft>
+                        <a:buClrTx/>
+                        <a:buSzTx/>
+                        <a:buFontTx/>
+                        <a:buNone/>
+                        <a:tabLst/>
+                        <a:defRPr/>
+                      </a:pPr>
+                      <a:r>
+                        <a:rPr lang="zh-TW" altLang="en-US" sz="1200" dirty="0"/>
+                        <a:t>結果</a:t>
+                      </a:r>
+                    </a:p>
+                  </a:txBody>
+                  <a:tcPr/>
+                </a:tc>
+                <a:tc>
+                  <a:txBody>
+                    <a:bodyPr/>
+                    <a:lstStyle/>
+                    <a:p>
+                      <a:pPr marL="0" marR="0" lvl="0" indent="0" algn="l" defTabSz="457200" rtl="0" eaLnBrk="1" fontAlgn="auto" latinLnBrk="0" hangingPunct="1">
+                        <a:lnSpc>
+                          <a:spcPct val="100000"/>
+                        </a:lnSpc>
+                        <a:spcBef>
+                          <a:spcPts val="0"/>
+                        </a:spcBef>
+                        <a:spcAft>
+                          <a:spcPts val="0"/>
+                        </a:spcAft>
+                        <a:buClrTx/>
+                        <a:buSzTx/>
+                        <a:buFontTx/>
+                        <a:buNone/>
+                        <a:tabLst/>
+                        <a:defRPr/>
+                      </a:pPr>
+                      <a:r>
+                        <a:rPr lang="zh-TW" altLang="en-US" sz="1200" dirty="0"/>
+                        <a:t>呼吸</a:t>
+                      </a:r>
+                    </a:p>
+                  </a:txBody>
+                  <a:tcPr/>
+                </a:tc>
+                <a:tc>
+                  <a:txBody>
+                    <a:bodyPr/>
+                    <a:lstStyle/>
+                    <a:p>
+                      <a:pPr marL="0" marR="0" lvl="0" indent="0" algn="l" defTabSz="457200" rtl="0" eaLnBrk="1" fontAlgn="auto" latinLnBrk="0" hangingPunct="1">
+                        <a:lnSpc>
+                          <a:spcPct val="100000"/>
+                        </a:lnSpc>
+                        <a:spcBef>
+                          <a:spcPts val="0"/>
+                        </a:spcBef>
+                        <a:spcAft>
+                          <a:spcPts val="0"/>
+                        </a:spcAft>
+                        <a:buClrTx/>
+                        <a:buSzTx/>
+                        <a:buFontTx/>
+                        <a:buNone/>
+                        <a:tabLst/>
+                        <a:defRPr/>
+                      </a:pPr>
+                      <a:r>
+                        <a:rPr lang="zh-TW" altLang="en-US" sz="1200" dirty="0"/>
+                        <a:t>結果</a:t>
+                      </a:r>
+                    </a:p>
+                  </a:txBody>
+                  <a:tcPr/>
+                </a:tc>
+                <a:extLst>
+                  <a:ext uri="{0D108BD9-81ED-4DB2-BD59-A6C34878D82A}">
+                    <a16:rowId xmlns:a16="http://schemas.microsoft.com/office/drawing/2014/main" val="3607890487"/>
+                  </a:ext>
+                </a:extLst>
+              </a:tr>
+              <a:tr h="349971">
+                <a:tc>
+                  <a:txBody>
+                    <a:bodyPr/>
+                    <a:lstStyle/>
+                    <a:p>
+                      <a:r>
+                        <a:rPr lang="en-US" altLang="zh-TW" sz="1600" dirty="0"/>
+                        <a:t>1</a:t>
+                      </a:r>
+                      <a:endParaRPr lang="zh-TW" altLang="en-US" sz="1600" dirty="0"/>
+                    </a:p>
+                  </a:txBody>
+                  <a:tcPr/>
+                </a:tc>
+                <a:tc>
+                  <a:txBody>
+                    <a:bodyPr/>
+                    <a:lstStyle/>
+                    <a:p>
+                      <a:endParaRPr lang="zh-TW" altLang="en-US" sz="1600" dirty="0"/>
+                    </a:p>
+                  </a:txBody>
+                  <a:tcPr/>
+                </a:tc>
+                <a:tc>
+                  <a:txBody>
+                    <a:bodyPr/>
+                    <a:lstStyle/>
+                    <a:p>
+                      <a:endParaRPr lang="zh-TW" altLang="en-US" sz="1600" dirty="0">
+                        <a:solidFill>
+                          <a:srgbClr val="FF0000"/>
+                        </a:solidFill>
+                      </a:endParaRPr>
+                    </a:p>
+                  </a:txBody>
+                  <a:tcPr/>
+                </a:tc>
+                <a:tc>
+                  <a:txBody>
+                    <a:bodyPr/>
+                    <a:lstStyle/>
+                    <a:p>
+                      <a:endParaRPr lang="zh-TW" altLang="en-US" sz="1600" dirty="0"/>
+                    </a:p>
+                  </a:txBody>
+                  <a:tcPr/>
+                </a:tc>
+                <a:tc>
+                  <a:txBody>
+                    <a:bodyPr/>
+                    <a:lstStyle/>
+                    <a:p>
+                      <a:endParaRPr lang="zh-TW" altLang="en-US" sz="1600" dirty="0">
+                        <a:solidFill>
+                          <a:srgbClr val="00B050"/>
+                        </a:solidFill>
+                      </a:endParaRPr>
+                    </a:p>
+                  </a:txBody>
+                  <a:tcPr/>
+                </a:tc>
+                <a:extLst>
+                  <a:ext uri="{0D108BD9-81ED-4DB2-BD59-A6C34878D82A}">
+                    <a16:rowId xmlns:a16="http://schemas.microsoft.com/office/drawing/2014/main" val="799478530"/>
+                  </a:ext>
+                </a:extLst>
+              </a:tr>
+              <a:tr h="349971">
+                <a:tc>
+                  <a:txBody>
+                    <a:bodyPr/>
+                    <a:lstStyle/>
+                    <a:p>
+                      <a:r>
+                        <a:rPr lang="en-US" altLang="zh-TW" sz="1600" dirty="0"/>
+                        <a:t>2</a:t>
+                      </a:r>
+                      <a:endParaRPr lang="zh-TW" altLang="en-US" sz="1600" dirty="0"/>
+                    </a:p>
+                  </a:txBody>
+                  <a:tcPr/>
+                </a:tc>
+                <a:tc>
+                  <a:txBody>
+                    <a:bodyPr/>
+                    <a:lstStyle/>
+                    <a:p>
+                      <a:endParaRPr lang="zh-TW" altLang="en-US" sz="1600" dirty="0"/>
+                    </a:p>
+                  </a:txBody>
+                  <a:tcPr/>
+                </a:tc>
+                <a:tc>
+                  <a:txBody>
+                    <a:bodyPr/>
+                    <a:lstStyle/>
+                    <a:p>
+                      <a:endParaRPr lang="zh-TW" altLang="en-US" sz="1600" dirty="0">
+                        <a:solidFill>
+                          <a:srgbClr val="00B050"/>
+                        </a:solidFill>
+                      </a:endParaRPr>
+                    </a:p>
+                  </a:txBody>
+                  <a:tcPr/>
+                </a:tc>
+                <a:tc>
+                  <a:txBody>
+                    <a:bodyPr/>
+                    <a:lstStyle/>
+                    <a:p>
+                      <a:endParaRPr lang="zh-TW" altLang="en-US" sz="1600" dirty="0"/>
+                    </a:p>
+                  </a:txBody>
+                  <a:tcPr/>
+                </a:tc>
+                <a:tc>
+                  <a:txBody>
+                    <a:bodyPr/>
+                    <a:lstStyle/>
+                    <a:p>
+                      <a:endParaRPr lang="zh-TW" altLang="en-US" sz="1600" dirty="0">
+                        <a:solidFill>
+                          <a:srgbClr val="00B050"/>
+                        </a:solidFill>
+                      </a:endParaRPr>
+                    </a:p>
+                  </a:txBody>
+                  <a:tcPr/>
+                </a:tc>
+                <a:extLst>
+                  <a:ext uri="{0D108BD9-81ED-4DB2-BD59-A6C34878D82A}">
+                    <a16:rowId xmlns:a16="http://schemas.microsoft.com/office/drawing/2014/main" val="2671778474"/>
+                  </a:ext>
+                </a:extLst>
+              </a:tr>
+              <a:tr h="349971">
+                <a:tc>
+                  <a:txBody>
+                    <a:bodyPr/>
+                    <a:lstStyle/>
+                    <a:p>
+                      <a:r>
+                        <a:rPr lang="en-US" altLang="zh-TW" sz="1600" dirty="0"/>
+                        <a:t>3</a:t>
+                      </a:r>
+                      <a:endParaRPr lang="zh-TW" altLang="en-US" sz="1600" dirty="0"/>
+                    </a:p>
+                  </a:txBody>
+                  <a:tcPr/>
+                </a:tc>
+                <a:tc>
+                  <a:txBody>
+                    <a:bodyPr/>
+                    <a:lstStyle/>
+                    <a:p>
+                      <a:endParaRPr lang="zh-TW" altLang="en-US" sz="1600" dirty="0"/>
+                    </a:p>
+                  </a:txBody>
+                  <a:tcPr/>
+                </a:tc>
+                <a:tc>
+                  <a:txBody>
+                    <a:bodyPr/>
+                    <a:lstStyle/>
+                    <a:p>
+                      <a:endParaRPr lang="zh-TW" altLang="en-US" sz="1600" dirty="0">
+                        <a:solidFill>
+                          <a:srgbClr val="00B050"/>
+                        </a:solidFill>
+                      </a:endParaRPr>
+                    </a:p>
+                  </a:txBody>
+                  <a:tcPr/>
+                </a:tc>
+                <a:tc>
+                  <a:txBody>
+                    <a:bodyPr/>
+                    <a:lstStyle/>
+                    <a:p>
+                      <a:endParaRPr lang="zh-TW" altLang="en-US" sz="1600" dirty="0"/>
+                    </a:p>
+                  </a:txBody>
+                  <a:tcPr/>
+                </a:tc>
+                <a:tc>
+                  <a:txBody>
+                    <a:bodyPr/>
+                    <a:lstStyle/>
+                    <a:p>
+                      <a:endParaRPr lang="zh-TW" altLang="en-US" sz="1600" dirty="0">
+                        <a:solidFill>
+                          <a:srgbClr val="00B050"/>
+                        </a:solidFill>
+                      </a:endParaRPr>
+                    </a:p>
+                  </a:txBody>
+                  <a:tcPr/>
+                </a:tc>
+                <a:extLst>
+                  <a:ext uri="{0D108BD9-81ED-4DB2-BD59-A6C34878D82A}">
+                    <a16:rowId xmlns:a16="http://schemas.microsoft.com/office/drawing/2014/main" val="368224746"/>
+                  </a:ext>
+                </a:extLst>
+              </a:tr>
+              <a:tr h="349971">
+                <a:tc>
+                  <a:txBody>
+                    <a:bodyPr/>
+                    <a:lstStyle/>
+                    <a:p>
+                      <a:r>
+                        <a:rPr lang="en-US" altLang="zh-TW" sz="1600" dirty="0"/>
+                        <a:t>4</a:t>
+                      </a:r>
+                      <a:endParaRPr lang="zh-TW" altLang="en-US" sz="1600" dirty="0"/>
+                    </a:p>
+                  </a:txBody>
+                  <a:tcPr/>
+                </a:tc>
+                <a:tc>
+                  <a:txBody>
+                    <a:bodyPr/>
+                    <a:lstStyle/>
+                    <a:p>
+                      <a:endParaRPr lang="zh-TW" altLang="en-US" sz="1600" dirty="0"/>
+                    </a:p>
+                  </a:txBody>
+                  <a:tcPr/>
+                </a:tc>
+                <a:tc>
+                  <a:txBody>
+                    <a:bodyPr/>
+                    <a:lstStyle/>
+                    <a:p>
+                      <a:endParaRPr lang="zh-TW" altLang="en-US" sz="1600" dirty="0">
+                        <a:solidFill>
+                          <a:srgbClr val="00B050"/>
+                        </a:solidFill>
+                      </a:endParaRPr>
+                    </a:p>
+                  </a:txBody>
+                  <a:tcPr/>
+                </a:tc>
+                <a:tc>
+                  <a:txBody>
+                    <a:bodyPr/>
+                    <a:lstStyle/>
+                    <a:p>
+                      <a:endParaRPr lang="zh-TW" altLang="en-US" sz="1600" dirty="0"/>
+                    </a:p>
+                  </a:txBody>
+                  <a:tcPr/>
+                </a:tc>
+                <a:tc>
+                  <a:txBody>
+                    <a:bodyPr/>
+                    <a:lstStyle/>
+                    <a:p>
+                      <a:endParaRPr lang="zh-TW" altLang="en-US" sz="1600" dirty="0">
+                        <a:solidFill>
+                          <a:srgbClr val="00B050"/>
+                        </a:solidFill>
+                      </a:endParaRPr>
+                    </a:p>
+                  </a:txBody>
+                  <a:tcPr/>
+                </a:tc>
+                <a:extLst>
+                  <a:ext uri="{0D108BD9-81ED-4DB2-BD59-A6C34878D82A}">
+                    <a16:rowId xmlns:a16="http://schemas.microsoft.com/office/drawing/2014/main" val="204919228"/>
+                  </a:ext>
+                </a:extLst>
+              </a:tr>
+              <a:tr h="349971">
+                <a:tc>
+                  <a:txBody>
+                    <a:bodyPr/>
+                    <a:lstStyle/>
+                    <a:p>
+                      <a:r>
+                        <a:rPr lang="en-US" altLang="zh-TW" sz="1600" dirty="0"/>
+                        <a:t>5</a:t>
+                      </a:r>
+                      <a:endParaRPr lang="zh-TW" altLang="en-US" sz="1600" dirty="0"/>
+                    </a:p>
+                  </a:txBody>
+                  <a:tcPr/>
+                </a:tc>
+                <a:tc>
+                  <a:txBody>
+                    <a:bodyPr/>
+                    <a:lstStyle/>
+                    <a:p>
+                      <a:endParaRPr lang="zh-TW" altLang="en-US" sz="1600" dirty="0"/>
+                    </a:p>
+                  </a:txBody>
+                  <a:tcPr/>
+                </a:tc>
+                <a:tc>
+                  <a:txBody>
+                    <a:bodyPr/>
+                    <a:lstStyle/>
+                    <a:p>
+                      <a:endParaRPr lang="zh-TW" altLang="en-US" sz="1600" dirty="0">
+                        <a:solidFill>
+                          <a:srgbClr val="00B050"/>
+                        </a:solidFill>
+                      </a:endParaRPr>
+                    </a:p>
+                  </a:txBody>
+                  <a:tcPr/>
+                </a:tc>
+                <a:tc>
+                  <a:txBody>
+                    <a:bodyPr/>
+                    <a:lstStyle/>
+                    <a:p>
+                      <a:endParaRPr lang="zh-TW" altLang="en-US" sz="1600" dirty="0"/>
+                    </a:p>
+                  </a:txBody>
+                  <a:tcPr/>
+                </a:tc>
+                <a:tc>
+                  <a:txBody>
+                    <a:bodyPr/>
+                    <a:lstStyle/>
+                    <a:p>
+                      <a:endParaRPr lang="zh-TW" altLang="en-US" sz="1600" dirty="0">
+                        <a:solidFill>
+                          <a:srgbClr val="00B050"/>
+                        </a:solidFill>
+                      </a:endParaRPr>
+                    </a:p>
+                  </a:txBody>
+                  <a:tcPr/>
+                </a:tc>
+                <a:extLst>
+                  <a:ext uri="{0D108BD9-81ED-4DB2-BD59-A6C34878D82A}">
+                    <a16:rowId xmlns:a16="http://schemas.microsoft.com/office/drawing/2014/main" val="2395672378"/>
+                  </a:ext>
+                </a:extLst>
+              </a:tr>
+              <a:tr h="349971">
+                <a:tc>
+                  <a:txBody>
+                    <a:bodyPr/>
+                    <a:lstStyle/>
+                    <a:p>
+                      <a:r>
+                        <a:rPr lang="en-US" altLang="zh-TW" sz="1600" dirty="0"/>
+                        <a:t>6</a:t>
+                      </a:r>
+                      <a:endParaRPr lang="zh-TW" altLang="en-US" sz="1600" dirty="0"/>
+                    </a:p>
+                  </a:txBody>
+                  <a:tcPr/>
+                </a:tc>
+                <a:tc>
+                  <a:txBody>
+                    <a:bodyPr/>
+                    <a:lstStyle/>
+                    <a:p>
+                      <a:endParaRPr lang="zh-TW" altLang="en-US" sz="1600" dirty="0"/>
+                    </a:p>
+                  </a:txBody>
+                  <a:tcPr/>
+                </a:tc>
+                <a:tc>
+                  <a:txBody>
+                    <a:bodyPr/>
+                    <a:lstStyle/>
+                    <a:p>
+                      <a:endParaRPr lang="zh-TW" altLang="en-US" sz="1600" dirty="0">
+                        <a:solidFill>
+                          <a:srgbClr val="00B050"/>
+                        </a:solidFill>
+                      </a:endParaRPr>
+                    </a:p>
+                  </a:txBody>
+                  <a:tcPr/>
+                </a:tc>
+                <a:tc>
+                  <a:txBody>
+                    <a:bodyPr/>
+                    <a:lstStyle/>
+                    <a:p>
+                      <a:endParaRPr lang="zh-TW" altLang="en-US" sz="1600" dirty="0"/>
+                    </a:p>
+                  </a:txBody>
+                  <a:tcPr/>
+                </a:tc>
+                <a:tc>
+                  <a:txBody>
+                    <a:bodyPr/>
+                    <a:lstStyle/>
+                    <a:p>
+                      <a:endParaRPr lang="zh-TW" altLang="en-US" sz="1600" dirty="0">
+                        <a:solidFill>
+                          <a:srgbClr val="00B050"/>
+                        </a:solidFill>
+                      </a:endParaRPr>
+                    </a:p>
+                  </a:txBody>
+                  <a:tcPr/>
+                </a:tc>
+                <a:extLst>
+                  <a:ext uri="{0D108BD9-81ED-4DB2-BD59-A6C34878D82A}">
+                    <a16:rowId xmlns:a16="http://schemas.microsoft.com/office/drawing/2014/main" val="2764133210"/>
+                  </a:ext>
+                </a:extLst>
+              </a:tr>
+              <a:tr h="349971">
+                <a:tc>
+                  <a:txBody>
+                    <a:bodyPr/>
+                    <a:lstStyle/>
+                    <a:p>
+                      <a:r>
+                        <a:rPr lang="en-US" altLang="zh-TW" sz="1600" dirty="0"/>
+                        <a:t>7</a:t>
+                      </a:r>
+                      <a:endParaRPr lang="zh-TW" altLang="en-US" sz="1600" dirty="0"/>
+                    </a:p>
+                  </a:txBody>
+                  <a:tcPr/>
+                </a:tc>
+                <a:tc>
+                  <a:txBody>
+                    <a:bodyPr/>
+                    <a:lstStyle/>
+                    <a:p>
+                      <a:endParaRPr lang="zh-TW" altLang="en-US" sz="1600" dirty="0"/>
+                    </a:p>
+                  </a:txBody>
+                  <a:tcPr/>
+                </a:tc>
+                <a:tc>
+                  <a:txBody>
+                    <a:bodyPr/>
+                    <a:lstStyle/>
+                    <a:p>
+                      <a:endParaRPr lang="zh-TW" altLang="en-US" sz="1600" dirty="0">
+                        <a:solidFill>
+                          <a:srgbClr val="00B050"/>
+                        </a:solidFill>
+                      </a:endParaRPr>
+                    </a:p>
+                  </a:txBody>
+                  <a:tcPr/>
+                </a:tc>
+                <a:tc>
+                  <a:txBody>
+                    <a:bodyPr/>
+                    <a:lstStyle/>
+                    <a:p>
+                      <a:endParaRPr lang="zh-TW" altLang="en-US" sz="1600" dirty="0"/>
+                    </a:p>
+                  </a:txBody>
+                  <a:tcPr/>
+                </a:tc>
+                <a:tc>
+                  <a:txBody>
+                    <a:bodyPr/>
+                    <a:lstStyle/>
+                    <a:p>
+                      <a:endParaRPr lang="zh-TW" altLang="en-US" sz="1600" dirty="0">
+                        <a:solidFill>
+                          <a:srgbClr val="00B050"/>
+                        </a:solidFill>
+                      </a:endParaRPr>
+                    </a:p>
+                  </a:txBody>
+                  <a:tcPr/>
+                </a:tc>
+                <a:extLst>
+                  <a:ext uri="{0D108BD9-81ED-4DB2-BD59-A6C34878D82A}">
+                    <a16:rowId xmlns:a16="http://schemas.microsoft.com/office/drawing/2014/main" val="2688250427"/>
+                  </a:ext>
+                </a:extLst>
+              </a:tr>
+              <a:tr h="349971">
+                <a:tc>
+                  <a:txBody>
+                    <a:bodyPr/>
+                    <a:lstStyle/>
+                    <a:p>
+                      <a:r>
+                        <a:rPr lang="en-US" altLang="zh-TW" sz="1600" dirty="0"/>
+                        <a:t>8</a:t>
+                      </a:r>
+                      <a:endParaRPr lang="zh-TW" altLang="en-US" sz="1600" dirty="0"/>
+                    </a:p>
+                  </a:txBody>
+                  <a:tcPr/>
+                </a:tc>
+                <a:tc>
+                  <a:txBody>
+                    <a:bodyPr/>
+                    <a:lstStyle/>
+                    <a:p>
+                      <a:endParaRPr lang="zh-TW" altLang="en-US" sz="1600" dirty="0"/>
+                    </a:p>
+                  </a:txBody>
+                  <a:tcPr/>
+                </a:tc>
+                <a:tc>
+                  <a:txBody>
+                    <a:bodyPr/>
+                    <a:lstStyle/>
+                    <a:p>
+                      <a:endParaRPr lang="zh-TW" altLang="en-US" sz="1600" dirty="0">
+                        <a:solidFill>
+                          <a:srgbClr val="00B050"/>
+                        </a:solidFill>
+                      </a:endParaRPr>
+                    </a:p>
+                  </a:txBody>
+                  <a:tcPr/>
+                </a:tc>
+                <a:tc>
+                  <a:txBody>
+                    <a:bodyPr/>
+                    <a:lstStyle/>
+                    <a:p>
+                      <a:endParaRPr lang="zh-TW" altLang="en-US" sz="1600" dirty="0"/>
+                    </a:p>
+                  </a:txBody>
+                  <a:tcPr/>
+                </a:tc>
+                <a:tc>
+                  <a:txBody>
+                    <a:bodyPr/>
+                    <a:lstStyle/>
+                    <a:p>
+                      <a:endParaRPr lang="zh-TW" altLang="en-US" sz="1600" dirty="0">
+                        <a:solidFill>
+                          <a:srgbClr val="00B050"/>
+                        </a:solidFill>
+                      </a:endParaRPr>
+                    </a:p>
+                  </a:txBody>
+                  <a:tcPr/>
+                </a:tc>
+                <a:extLst>
+                  <a:ext uri="{0D108BD9-81ED-4DB2-BD59-A6C34878D82A}">
+                    <a16:rowId xmlns:a16="http://schemas.microsoft.com/office/drawing/2014/main" val="137057913"/>
+                  </a:ext>
+                </a:extLst>
+              </a:tr>
+              <a:tr h="349971">
+                <a:tc>
+                  <a:txBody>
+                    <a:bodyPr/>
+                    <a:lstStyle/>
+                    <a:p>
+                      <a:r>
+                        <a:rPr lang="en-US" altLang="zh-TW" sz="1600" dirty="0"/>
+                        <a:t>9</a:t>
+                      </a:r>
+                      <a:endParaRPr lang="zh-TW" altLang="en-US" sz="1600" dirty="0"/>
+                    </a:p>
+                  </a:txBody>
+                  <a:tcPr/>
+                </a:tc>
+                <a:tc>
+                  <a:txBody>
+                    <a:bodyPr/>
+                    <a:lstStyle/>
+                    <a:p>
+                      <a:endParaRPr lang="zh-TW" altLang="en-US" sz="1600" dirty="0"/>
+                    </a:p>
+                  </a:txBody>
+                  <a:tcPr/>
+                </a:tc>
+                <a:tc>
+                  <a:txBody>
+                    <a:bodyPr/>
+                    <a:lstStyle/>
+                    <a:p>
+                      <a:endParaRPr lang="zh-TW" altLang="en-US" sz="1600" dirty="0">
+                        <a:solidFill>
+                          <a:srgbClr val="00B050"/>
+                        </a:solidFill>
+                      </a:endParaRPr>
+                    </a:p>
+                  </a:txBody>
+                  <a:tcPr/>
+                </a:tc>
+                <a:tc>
+                  <a:txBody>
+                    <a:bodyPr/>
+                    <a:lstStyle/>
+                    <a:p>
+                      <a:endParaRPr lang="zh-TW" altLang="en-US" sz="1600" dirty="0"/>
+                    </a:p>
+                  </a:txBody>
+                  <a:tcPr/>
+                </a:tc>
+                <a:tc>
+                  <a:txBody>
+                    <a:bodyPr/>
+                    <a:lstStyle/>
+                    <a:p>
+                      <a:endParaRPr lang="zh-TW" altLang="en-US" sz="1600" dirty="0">
+                        <a:solidFill>
+                          <a:srgbClr val="00B050"/>
+                        </a:solidFill>
+                      </a:endParaRPr>
+                    </a:p>
+                  </a:txBody>
+                  <a:tcPr/>
+                </a:tc>
+                <a:extLst>
+                  <a:ext uri="{0D108BD9-81ED-4DB2-BD59-A6C34878D82A}">
+                    <a16:rowId xmlns:a16="http://schemas.microsoft.com/office/drawing/2014/main" val="4143870601"/>
+                  </a:ext>
+                </a:extLst>
+              </a:tr>
+              <a:tr h="349971">
+                <a:tc>
+                  <a:txBody>
+                    <a:bodyPr/>
+                    <a:lstStyle/>
+                    <a:p>
+                      <a:r>
+                        <a:rPr lang="en-US" altLang="zh-TW" sz="1600" dirty="0"/>
+                        <a:t>10</a:t>
+                      </a:r>
+                      <a:endParaRPr lang="zh-TW" altLang="en-US" sz="1600" dirty="0"/>
+                    </a:p>
+                  </a:txBody>
+                  <a:tcPr/>
+                </a:tc>
+                <a:tc>
+                  <a:txBody>
+                    <a:bodyPr/>
+                    <a:lstStyle/>
+                    <a:p>
+                      <a:endParaRPr lang="zh-TW" altLang="en-US" sz="1600" dirty="0"/>
+                    </a:p>
+                  </a:txBody>
+                  <a:tcPr/>
+                </a:tc>
+                <a:tc>
+                  <a:txBody>
+                    <a:bodyPr/>
+                    <a:lstStyle/>
+                    <a:p>
+                      <a:endParaRPr lang="zh-TW" altLang="en-US" sz="1600" dirty="0">
+                        <a:solidFill>
+                          <a:srgbClr val="00B050"/>
+                        </a:solidFill>
+                      </a:endParaRPr>
+                    </a:p>
+                  </a:txBody>
+                  <a:tcPr/>
+                </a:tc>
+                <a:tc>
+                  <a:txBody>
+                    <a:bodyPr/>
+                    <a:lstStyle/>
+                    <a:p>
+                      <a:endParaRPr lang="zh-TW" altLang="en-US" sz="1600" dirty="0"/>
+                    </a:p>
+                  </a:txBody>
+                  <a:tcPr/>
+                </a:tc>
+                <a:tc>
+                  <a:txBody>
+                    <a:bodyPr/>
+                    <a:lstStyle/>
+                    <a:p>
+                      <a:endParaRPr lang="zh-TW" altLang="en-US" sz="1600" dirty="0">
+                        <a:solidFill>
+                          <a:srgbClr val="00B050"/>
+                        </a:solidFill>
+                      </a:endParaRPr>
+                    </a:p>
+                  </a:txBody>
+                  <a:tcPr/>
+                </a:tc>
+                <a:extLst>
+                  <a:ext uri="{0D108BD9-81ED-4DB2-BD59-A6C34878D82A}">
+                    <a16:rowId xmlns:a16="http://schemas.microsoft.com/office/drawing/2014/main" val="1012143525"/>
+                  </a:ext>
+                </a:extLst>
+              </a:tr>
+            </a:tbl>
+          </a:graphicData>
+        </a:graphic>
+      </p:graphicFrame>
+      <p:graphicFrame>
+        <p:nvGraphicFramePr>
+          <p:cNvPr id="11" name="表格 3">
+            <a:extLst>
+              <a:ext uri="{FF2B5EF4-FFF2-40B4-BE49-F238E27FC236}">
+                <a16:creationId xmlns:a16="http://schemas.microsoft.com/office/drawing/2014/main" id="{F167555E-8975-4BF5-902C-7D6E68F38EC1}"/>
+              </a:ext>
+            </a:extLst>
+          </p:cNvPr>
+          <p:cNvGraphicFramePr>
+            <a:graphicFrameLocks noGrp="1"/>
+          </p:cNvGraphicFramePr>
+          <p:nvPr>
+            <p:extLst>
+              <p:ext uri="{D42A27DB-BD31-4B8C-83A1-F6EECF244321}">
+                <p14:modId xmlns:p14="http://schemas.microsoft.com/office/powerpoint/2010/main" val="2668783308"/>
+              </p:ext>
+            </p:extLst>
+          </p:nvPr>
+        </p:nvGraphicFramePr>
+        <p:xfrm>
+          <a:off x="0" y="4575977"/>
+          <a:ext cx="11232290" cy="1524000"/>
+        </p:xfrm>
+        <a:graphic>
+          <a:graphicData uri="http://schemas.openxmlformats.org/drawingml/2006/table">
+            <a:tbl>
+              <a:tblPr firstRow="1" bandRow="1">
+                <a:tableStyleId>{2D5ABB26-0587-4C30-8999-92F81FD0307C}</a:tableStyleId>
+              </a:tblPr>
+              <a:tblGrid>
+                <a:gridCol w="1248032">
+                  <a:extLst>
+                    <a:ext uri="{9D8B030D-6E8A-4147-A177-3AD203B41FA5}">
+                      <a16:colId xmlns:a16="http://schemas.microsoft.com/office/drawing/2014/main" val="184978386"/>
+                    </a:ext>
+                  </a:extLst>
+                </a:gridCol>
+                <a:gridCol w="2804984">
+                  <a:extLst>
+                    <a:ext uri="{9D8B030D-6E8A-4147-A177-3AD203B41FA5}">
+                      <a16:colId xmlns:a16="http://schemas.microsoft.com/office/drawing/2014/main" val="931941373"/>
+                    </a:ext>
+                  </a:extLst>
+                </a:gridCol>
+                <a:gridCol w="2817341">
+                  <a:extLst>
+                    <a:ext uri="{9D8B030D-6E8A-4147-A177-3AD203B41FA5}">
+                      <a16:colId xmlns:a16="http://schemas.microsoft.com/office/drawing/2014/main" val="2943620096"/>
+                    </a:ext>
+                  </a:extLst>
+                </a:gridCol>
+                <a:gridCol w="2817340">
+                  <a:extLst>
+                    <a:ext uri="{9D8B030D-6E8A-4147-A177-3AD203B41FA5}">
+                      <a16:colId xmlns:a16="http://schemas.microsoft.com/office/drawing/2014/main" val="817540734"/>
+                    </a:ext>
+                  </a:extLst>
+                </a:gridCol>
+                <a:gridCol w="1544593">
+                  <a:extLst>
+                    <a:ext uri="{9D8B030D-6E8A-4147-A177-3AD203B41FA5}">
+                      <a16:colId xmlns:a16="http://schemas.microsoft.com/office/drawing/2014/main" val="1088167666"/>
+                    </a:ext>
+                  </a:extLst>
+                </a:gridCol>
+              </a:tblGrid>
+              <a:tr h="271876">
+                <a:tc>
+                  <a:txBody>
+                    <a:bodyPr/>
+                    <a:lstStyle/>
+                    <a:p>
+                      <a:endParaRPr lang="zh-TW" altLang="en-US" sz="1400" b="1" dirty="0"/>
+                    </a:p>
+                  </a:txBody>
+                  <a:tcPr/>
+                </a:tc>
+                <a:tc>
+                  <a:txBody>
+                    <a:bodyPr/>
+                    <a:lstStyle/>
+                    <a:p>
+                      <a:r>
+                        <a:rPr lang="en-US" altLang="zh-TW" sz="1400" b="1" dirty="0" err="1"/>
+                        <a:t>cheng-xun</a:t>
+                      </a:r>
+                      <a:endParaRPr lang="zh-TW" altLang="en-US" sz="1400" b="1" dirty="0"/>
+                    </a:p>
+                  </a:txBody>
+                  <a:tcPr/>
+                </a:tc>
+                <a:tc>
+                  <a:txBody>
+                    <a:bodyPr/>
+                    <a:lstStyle/>
+                    <a:p>
+                      <a:r>
+                        <a:rPr lang="en-US" altLang="zh-TW" sz="1400" b="1" dirty="0"/>
+                        <a:t>eric</a:t>
+                      </a:r>
+                      <a:endParaRPr lang="zh-TW" altLang="en-US" sz="1400" b="1" dirty="0"/>
+                    </a:p>
+                  </a:txBody>
+                  <a:tcPr/>
+                </a:tc>
+                <a:tc>
+                  <a:txBody>
+                    <a:bodyPr/>
+                    <a:lstStyle/>
+                    <a:p>
+                      <a:r>
+                        <a:rPr lang="en-US" altLang="zh-TW" sz="1400" b="1" dirty="0" err="1"/>
+                        <a:t>yuci</a:t>
+                      </a:r>
+                      <a:endParaRPr lang="zh-TW" altLang="en-US" sz="1400" b="1" dirty="0"/>
+                    </a:p>
+                  </a:txBody>
+                  <a:tcPr/>
+                </a:tc>
+                <a:tc>
+                  <a:txBody>
+                    <a:bodyPr/>
+                    <a:lstStyle/>
+                    <a:p>
+                      <a:endParaRPr lang="zh-TW" altLang="en-US" sz="1400" b="1" dirty="0"/>
+                    </a:p>
+                  </a:txBody>
+                  <a:tcPr/>
+                </a:tc>
+                <a:extLst>
+                  <a:ext uri="{0D108BD9-81ED-4DB2-BD59-A6C34878D82A}">
+                    <a16:rowId xmlns:a16="http://schemas.microsoft.com/office/drawing/2014/main" val="920894196"/>
+                  </a:ext>
+                </a:extLst>
+              </a:tr>
+              <a:tr h="271876">
+                <a:tc>
+                  <a:txBody>
+                    <a:bodyPr/>
+                    <a:lstStyle/>
+                    <a:p>
+                      <a:r>
+                        <a:rPr lang="en-US" altLang="zh-TW" sz="1400" b="1" dirty="0"/>
+                        <a:t>Our</a:t>
+                      </a:r>
+                      <a:endParaRPr lang="zh-TW" altLang="en-US" sz="1400" b="1" dirty="0"/>
+                    </a:p>
+                  </a:txBody>
+                  <a:tcPr>
+                    <a:solidFill>
+                      <a:schemeClr val="bg1"/>
+                    </a:solidFill>
+                  </a:tcPr>
+                </a:tc>
+                <a:tc>
+                  <a:txBody>
+                    <a:bodyPr/>
+                    <a:lstStyle/>
+                    <a:p>
+                      <a:pPr algn="l"/>
+                      <a:r>
+                        <a:rPr lang="en-US" altLang="zh-TW" sz="1400" b="1" dirty="0"/>
+                        <a:t>1.5</a:t>
+                      </a:r>
+                      <a:endParaRPr lang="zh-TW" altLang="en-US" sz="1400" b="1" dirty="0"/>
+                    </a:p>
+                  </a:txBody>
+                  <a:tcPr anchor="ctr"/>
+                </a:tc>
+                <a:tc>
+                  <a:txBody>
+                    <a:bodyPr/>
+                    <a:lstStyle/>
+                    <a:p>
+                      <a:pPr algn="l"/>
+                      <a:r>
+                        <a:rPr lang="en-US" altLang="zh-TW" sz="1400" b="1" dirty="0"/>
+                        <a:t>1.4</a:t>
+                      </a:r>
+                      <a:endParaRPr lang="zh-TW" altLang="en-US" sz="1400" b="1" dirty="0"/>
+                    </a:p>
+                  </a:txBody>
+                  <a:tcPr anchor="ctr"/>
+                </a:tc>
+                <a:tc>
+                  <a:txBody>
+                    <a:bodyPr/>
+                    <a:lstStyle/>
+                    <a:p>
+                      <a:pPr algn="l"/>
+                      <a:r>
+                        <a:rPr lang="en-US" altLang="zh-TW" sz="1400" b="1" dirty="0"/>
+                        <a:t>2.2</a:t>
+                      </a:r>
+                      <a:endParaRPr lang="zh-TW" altLang="en-US" sz="1400" b="1" dirty="0"/>
+                    </a:p>
+                  </a:txBody>
+                  <a:tcPr anchor="ctr"/>
+                </a:tc>
+                <a:tc>
+                  <a:txBody>
+                    <a:bodyPr/>
+                    <a:lstStyle/>
+                    <a:p>
+                      <a:pPr algn="l"/>
+                      <a:endParaRPr lang="zh-TW" altLang="en-US" sz="1400" b="1" dirty="0"/>
+                    </a:p>
+                  </a:txBody>
+                  <a:tcPr anchor="ctr"/>
+                </a:tc>
+                <a:extLst>
+                  <a:ext uri="{0D108BD9-81ED-4DB2-BD59-A6C34878D82A}">
+                    <a16:rowId xmlns:a16="http://schemas.microsoft.com/office/drawing/2014/main" val="2735779367"/>
+                  </a:ext>
+                </a:extLst>
+              </a:tr>
+              <a:tr h="271876">
+                <a:tc>
+                  <a:txBody>
+                    <a:bodyPr/>
+                    <a:lstStyle/>
+                    <a:p>
+                      <a:r>
+                        <a:rPr lang="en-US" altLang="zh-TW" sz="1400" b="1" dirty="0"/>
+                        <a:t>TI</a:t>
+                      </a:r>
+                      <a:endParaRPr lang="zh-TW" altLang="en-US" sz="1400" b="1" dirty="0"/>
+                    </a:p>
+                  </a:txBody>
+                  <a:tcPr>
+                    <a:solidFill>
+                      <a:schemeClr val="bg1"/>
+                    </a:solidFill>
+                  </a:tcPr>
+                </a:tc>
+                <a:tc>
+                  <a:txBody>
+                    <a:bodyPr/>
+                    <a:lstStyle/>
+                    <a:p>
+                      <a:pPr algn="l"/>
+                      <a:r>
+                        <a:rPr lang="en-US" altLang="zh-TW" sz="1400" b="1" dirty="0"/>
+                        <a:t>3</a:t>
+                      </a:r>
+                      <a:endParaRPr lang="zh-TW" altLang="en-US" sz="1400" b="1" dirty="0"/>
+                    </a:p>
+                  </a:txBody>
+                  <a:tcPr anchor="ctr"/>
+                </a:tc>
+                <a:tc>
+                  <a:txBody>
+                    <a:bodyPr/>
+                    <a:lstStyle/>
+                    <a:p>
+                      <a:pPr algn="l"/>
+                      <a:r>
+                        <a:rPr lang="en-US" altLang="zh-TW" sz="1400" b="1" dirty="0"/>
+                        <a:t>1.8</a:t>
+                      </a:r>
+                      <a:endParaRPr lang="zh-TW" altLang="en-US" sz="1400" b="1" dirty="0"/>
+                    </a:p>
+                  </a:txBody>
+                  <a:tcPr anchor="ctr"/>
+                </a:tc>
+                <a:tc>
+                  <a:txBody>
+                    <a:bodyPr/>
+                    <a:lstStyle/>
+                    <a:p>
+                      <a:pPr algn="l"/>
+                      <a:r>
+                        <a:rPr lang="en-US" altLang="zh-TW" sz="1400" b="1" dirty="0"/>
+                        <a:t>4.4</a:t>
+                      </a:r>
+                      <a:endParaRPr lang="zh-TW" altLang="en-US" sz="1400" b="1" dirty="0"/>
+                    </a:p>
+                  </a:txBody>
+                  <a:tcPr anchor="ctr"/>
+                </a:tc>
+                <a:tc>
+                  <a:txBody>
+                    <a:bodyPr/>
+                    <a:lstStyle/>
+                    <a:p>
+                      <a:pPr algn="l"/>
+                      <a:endParaRPr lang="zh-TW" altLang="en-US" sz="1400" b="1" dirty="0"/>
+                    </a:p>
+                  </a:txBody>
+                  <a:tcPr anchor="ctr"/>
+                </a:tc>
+                <a:extLst>
+                  <a:ext uri="{0D108BD9-81ED-4DB2-BD59-A6C34878D82A}">
+                    <a16:rowId xmlns:a16="http://schemas.microsoft.com/office/drawing/2014/main" val="721947488"/>
+                  </a:ext>
+                </a:extLst>
+              </a:tr>
+              <a:tr h="271876">
+                <a:tc>
+                  <a:txBody>
+                    <a:bodyPr/>
+                    <a:lstStyle/>
+                    <a:p>
+                      <a:r>
+                        <a:rPr lang="en-US" altLang="zh-TW" sz="1400" b="1" dirty="0"/>
+                        <a:t>Our</a:t>
+                      </a:r>
+                      <a:endParaRPr lang="zh-TW" altLang="en-US" sz="1400" b="1" dirty="0"/>
+                    </a:p>
+                  </a:txBody>
+                  <a:tcPr>
+                    <a:solidFill>
+                      <a:schemeClr val="bg1"/>
+                    </a:solidFill>
+                  </a:tcPr>
+                </a:tc>
+                <a:tc>
+                  <a:txBody>
+                    <a:bodyPr/>
+                    <a:lstStyle/>
+                    <a:p>
+                      <a:pPr algn="l"/>
+                      <a:r>
+                        <a:rPr lang="en-US" altLang="zh-TW" sz="1400" b="1" dirty="0"/>
+                        <a:t>0.8</a:t>
+                      </a:r>
+                      <a:endParaRPr lang="zh-TW" altLang="en-US" sz="1400" b="1" dirty="0"/>
+                    </a:p>
+                  </a:txBody>
+                  <a:tcPr anchor="ctr"/>
+                </a:tc>
+                <a:tc>
+                  <a:txBody>
+                    <a:bodyPr/>
+                    <a:lstStyle/>
+                    <a:p>
+                      <a:pPr algn="l"/>
+                      <a:r>
+                        <a:rPr lang="en-US" altLang="zh-TW" sz="1400" b="1" dirty="0"/>
+                        <a:t>1.2</a:t>
+                      </a:r>
+                      <a:endParaRPr lang="zh-TW" altLang="en-US" sz="1400" b="1" dirty="0"/>
+                    </a:p>
+                  </a:txBody>
+                  <a:tcPr anchor="ctr"/>
+                </a:tc>
+                <a:tc>
+                  <a:txBody>
+                    <a:bodyPr/>
+                    <a:lstStyle/>
+                    <a:p>
+                      <a:pPr algn="l"/>
+                      <a:r>
+                        <a:rPr lang="en-US" altLang="zh-TW" sz="1400" b="1" dirty="0"/>
+                        <a:t>2.1</a:t>
+                      </a:r>
+                      <a:endParaRPr lang="zh-TW" altLang="en-US" sz="1400" b="1" dirty="0"/>
+                    </a:p>
+                  </a:txBody>
+                  <a:tcPr anchor="ctr"/>
+                </a:tc>
+                <a:tc>
+                  <a:txBody>
+                    <a:bodyPr/>
+                    <a:lstStyle/>
+                    <a:p>
+                      <a:pPr algn="l"/>
+                      <a:endParaRPr lang="zh-TW" altLang="en-US" sz="1400" b="1" dirty="0"/>
+                    </a:p>
+                  </a:txBody>
+                  <a:tcPr anchor="ctr"/>
+                </a:tc>
+                <a:extLst>
+                  <a:ext uri="{0D108BD9-81ED-4DB2-BD59-A6C34878D82A}">
+                    <a16:rowId xmlns:a16="http://schemas.microsoft.com/office/drawing/2014/main" val="3866658737"/>
+                  </a:ext>
+                </a:extLst>
+              </a:tr>
+              <a:tr h="271876">
+                <a:tc>
+                  <a:txBody>
+                    <a:bodyPr/>
+                    <a:lstStyle/>
+                    <a:p>
+                      <a:r>
+                        <a:rPr lang="en-US" altLang="zh-TW" sz="1400" b="1" dirty="0"/>
+                        <a:t>TI</a:t>
+                      </a:r>
+                      <a:endParaRPr lang="zh-TW" altLang="en-US" sz="1400" b="1" dirty="0"/>
+                    </a:p>
+                  </a:txBody>
+                  <a:tcPr>
+                    <a:solidFill>
+                      <a:schemeClr val="bg1"/>
+                    </a:solidFill>
+                  </a:tcPr>
+                </a:tc>
+                <a:tc>
+                  <a:txBody>
+                    <a:bodyPr/>
+                    <a:lstStyle/>
+                    <a:p>
+                      <a:pPr algn="l"/>
+                      <a:r>
+                        <a:rPr lang="en-US" altLang="zh-TW" sz="1400" b="1" dirty="0"/>
+                        <a:t>1.6</a:t>
+                      </a:r>
+                      <a:endParaRPr lang="zh-TW" altLang="en-US" sz="1400" b="1" dirty="0"/>
+                    </a:p>
+                  </a:txBody>
+                  <a:tcPr anchor="ctr"/>
+                </a:tc>
+                <a:tc>
+                  <a:txBody>
+                    <a:bodyPr/>
+                    <a:lstStyle/>
+                    <a:p>
+                      <a:pPr algn="l"/>
+                      <a:r>
+                        <a:rPr lang="en-US" altLang="zh-TW" sz="1400" b="1" dirty="0"/>
+                        <a:t>2.4</a:t>
+                      </a:r>
+                      <a:endParaRPr lang="zh-TW" altLang="en-US" sz="1400" b="1" dirty="0"/>
+                    </a:p>
+                  </a:txBody>
+                  <a:tcPr anchor="ctr"/>
+                </a:tc>
+                <a:tc>
+                  <a:txBody>
+                    <a:bodyPr/>
+                    <a:lstStyle/>
+                    <a:p>
+                      <a:pPr algn="l"/>
+                      <a:r>
+                        <a:rPr lang="en-US" altLang="zh-TW" sz="1400" b="1" dirty="0"/>
+                        <a:t>2.5</a:t>
+                      </a:r>
+                      <a:endParaRPr lang="zh-TW" altLang="en-US" sz="1400" b="1" dirty="0"/>
+                    </a:p>
+                  </a:txBody>
+                  <a:tcPr anchor="ctr"/>
+                </a:tc>
+                <a:tc>
+                  <a:txBody>
+                    <a:bodyPr/>
+                    <a:lstStyle/>
+                    <a:p>
+                      <a:pPr algn="l"/>
+                      <a:endParaRPr lang="zh-TW" altLang="en-US" sz="1400" b="1" dirty="0"/>
+                    </a:p>
+                  </a:txBody>
+                  <a:tcPr anchor="ctr"/>
+                </a:tc>
+                <a:extLst>
+                  <a:ext uri="{0D108BD9-81ED-4DB2-BD59-A6C34878D82A}">
+                    <a16:rowId xmlns:a16="http://schemas.microsoft.com/office/drawing/2014/main" val="2210045172"/>
+                  </a:ext>
+                </a:extLst>
+              </a:tr>
+            </a:tbl>
+          </a:graphicData>
+        </a:graphic>
+      </p:graphicFrame>
+    </p:spTree>
+    <p:extLst>
+      <p:ext uri="{BB962C8B-B14F-4D97-AF65-F5344CB8AC3E}">
+        <p14:creationId xmlns:p14="http://schemas.microsoft.com/office/powerpoint/2010/main" val="2100109674"/>
+      </p:ext>
+    </p:extLst>
+  </p:cSld>
+  <p:clrMapOvr>
+    <a:masterClrMapping/>
+  </p:clrMapOvr>
+</p:sld>
+</file>
+
+<file path=ppt/slides/slide13.xml><?xml version="1.0" encoding="utf-8"?>
 <p:sld xmlns:a="http://schemas.openxmlformats.org/drawingml/2006/main" xmlns:r="http://schemas.openxmlformats.org/officeDocument/2006/relationships" xmlns:p="http://schemas.openxmlformats.org/presentationml/2006/main">
   <p:cSld>
     <p:spTree>
@@ -14181,14 +19106,14 @@
           <p:nvPr>
             <p:extLst>
               <p:ext uri="{D42A27DB-BD31-4B8C-83A1-F6EECF244321}">
-                <p14:modId xmlns:p14="http://schemas.microsoft.com/office/powerpoint/2010/main" val="894665638"/>
+                <p14:modId xmlns:p14="http://schemas.microsoft.com/office/powerpoint/2010/main" val="3884393783"/>
               </p:ext>
             </p:extLst>
           </p:nvPr>
         </p:nvGraphicFramePr>
         <p:xfrm>
-          <a:off x="2917998" y="609600"/>
-          <a:ext cx="4500000" cy="5448434"/>
+          <a:off x="2917997" y="609600"/>
+          <a:ext cx="4780261" cy="5811534"/>
         </p:xfrm>
         <a:graphic>
           <a:graphicData uri="http://schemas.openxmlformats.org/drawingml/2006/table">
@@ -14197,21 +19122,21 @@
                 <a:tableStyleId>{5C22544A-7EE6-4342-B048-85BDC9FD1C3A}</a:tableStyleId>
               </a:tblPr>
               <a:tblGrid>
-                <a:gridCol w="2156735">
+                <a:gridCol w="2111203">
                   <a:extLst>
                     <a:ext uri="{9D8B030D-6E8A-4147-A177-3AD203B41FA5}">
                       <a16:colId xmlns:a16="http://schemas.microsoft.com/office/drawing/2014/main" val="4022155822"/>
                     </a:ext>
                   </a:extLst>
                 </a:gridCol>
-                <a:gridCol w="1126782">
+                <a:gridCol w="1376812">
                   <a:extLst>
                     <a:ext uri="{9D8B030D-6E8A-4147-A177-3AD203B41FA5}">
                       <a16:colId xmlns:a16="http://schemas.microsoft.com/office/drawing/2014/main" val="1365157035"/>
                     </a:ext>
                   </a:extLst>
                 </a:gridCol>
-                <a:gridCol w="1216483">
+                <a:gridCol w="1292246">
                   <a:extLst>
                     <a:ext uri="{9D8B030D-6E8A-4147-A177-3AD203B41FA5}">
                       <a16:colId xmlns:a16="http://schemas.microsoft.com/office/drawing/2014/main" val="1336087670"/>
@@ -15031,6 +19956,67 @@
                     <a:p>
                       <a:pPr algn="ctr"/>
                       <a:r>
+                        <a:rPr lang="zh-TW" altLang="en-US" sz="1800" dirty="0">
+                          <a:latin typeface="+mn-lt"/>
+                        </a:rPr>
+                        <a:t>學弟們</a:t>
+                      </a:r>
+                    </a:p>
+                  </a:txBody>
+                  <a:tcPr marL="88779" marR="88779" marT="44390" marB="44390" anchor="ctr"/>
+                </a:tc>
+                <a:tc>
+                  <a:txBody>
+                    <a:bodyPr/>
+                    <a:lstStyle/>
+                    <a:p>
+                      <a:pPr algn="ctr"/>
+                      <a:r>
+                        <a:rPr lang="en-US" altLang="zh-TW" sz="1800" dirty="0">
+                          <a:latin typeface="+mn-lt"/>
+                        </a:rPr>
+                        <a:t>30</a:t>
+                      </a:r>
+                      <a:endParaRPr lang="zh-TW" altLang="en-US" sz="1800" dirty="0">
+                        <a:latin typeface="+mn-lt"/>
+                      </a:endParaRPr>
+                    </a:p>
+                  </a:txBody>
+                  <a:tcPr marL="88779" marR="88779" marT="44390" marB="44390" anchor="ctr"/>
+                </a:tc>
+                <a:tc>
+                  <a:txBody>
+                    <a:bodyPr/>
+                    <a:lstStyle/>
+                    <a:p>
+                      <a:pPr algn="ctr"/>
+                      <a:r>
+                        <a:rPr lang="en-US" altLang="zh-TW" sz="1800" dirty="0">
+                          <a:latin typeface="+mn-lt"/>
+                        </a:rPr>
+                        <a:t>30</a:t>
+                      </a:r>
+                      <a:endParaRPr lang="zh-TW" altLang="en-US" sz="1800" dirty="0">
+                        <a:latin typeface="+mn-lt"/>
+                      </a:endParaRPr>
+                    </a:p>
+                  </a:txBody>
+                  <a:tcPr marL="88779" marR="88779" marT="44390" marB="44390" anchor="ctr"/>
+                </a:tc>
+                <a:extLst>
+                  <a:ext uri="{0D108BD9-81ED-4DB2-BD59-A6C34878D82A}">
+                    <a16:rowId xmlns:a16="http://schemas.microsoft.com/office/drawing/2014/main" val="3965504409"/>
+                  </a:ext>
+                </a:extLst>
+              </a:tr>
+              <a:tr h="360923">
+                <a:tc>
+                  <a:txBody>
+                    <a:bodyPr/>
+                    <a:lstStyle/>
+                    <a:p>
+                      <a:pPr algn="ctr"/>
+                      <a:r>
                         <a:rPr lang="en-US" altLang="zh-TW" sz="1800" dirty="0">
                           <a:latin typeface="+mn-lt"/>
                         </a:rPr>
@@ -15053,7 +20039,7 @@
                         <a:rPr lang="en-US" altLang="zh-TW" sz="1800" dirty="0">
                           <a:latin typeface="+mn-lt"/>
                         </a:rPr>
-                        <a:t>113</a:t>
+                        <a:t>143</a:t>
                       </a:r>
                       <a:endParaRPr lang="zh-TW" altLang="en-US" sz="1800" dirty="0">
                         <a:latin typeface="+mn-lt"/>
@@ -15072,7 +20058,7 @@
                         <a:rPr lang="en-US" altLang="zh-TW" sz="1800" dirty="0">
                           <a:latin typeface="+mn-lt"/>
                         </a:rPr>
-                        <a:t>59</a:t>
+                        <a:t>89</a:t>
                       </a:r>
                       <a:endParaRPr lang="zh-TW" altLang="en-US" sz="1800" dirty="0">
                         <a:latin typeface="+mn-lt"/>
@@ -15117,9 +20103,9 @@
                         <a:rPr lang="en-US" altLang="zh-TW" sz="1800" dirty="0">
                           <a:latin typeface="+mn-lt"/>
                         </a:rPr>
-                        <a:t>83/73.4%</a:t>
-                      </a:r>
-                      <a:endParaRPr lang="zh-TW" altLang="en-US" sz="1800" dirty="0">
+                        <a:t>113/79.0%</a:t>
+                      </a:r>
+                      <a:endParaRPr lang="zh-TW" altLang="en-US" sz="1600" dirty="0">
                         <a:latin typeface="+mn-lt"/>
                       </a:endParaRPr>
                     </a:p>
@@ -15136,7 +20122,7 @@
                         <a:rPr lang="en-US" altLang="zh-TW" sz="1800" dirty="0">
                           <a:latin typeface="+mn-lt"/>
                         </a:rPr>
-                        <a:t>38/64.4%</a:t>
+                        <a:t>63/70.7%</a:t>
                       </a:r>
                       <a:endParaRPr lang="zh-TW" altLang="en-US" sz="1800" dirty="0">
                         <a:latin typeface="+mn-lt"/>
@@ -15181,7 +20167,7 @@
                         <a:rPr lang="en-US" altLang="zh-TW" sz="1800" dirty="0">
                           <a:latin typeface="+mn-lt"/>
                         </a:rPr>
-                        <a:t>9.23</a:t>
+                        <a:t>7.65</a:t>
                       </a:r>
                       <a:endParaRPr lang="zh-TW" altLang="en-US" sz="1800" dirty="0">
                         <a:latin typeface="+mn-lt"/>
@@ -15200,7 +20186,7 @@
                         <a:rPr lang="en-US" altLang="zh-TW" sz="1800" dirty="0">
                           <a:latin typeface="+mn-lt"/>
                         </a:rPr>
-                        <a:t>2.24</a:t>
+                        <a:t>1.96</a:t>
                       </a:r>
                       <a:endParaRPr lang="zh-TW" altLang="en-US" sz="1800" dirty="0">
                         <a:latin typeface="+mn-lt"/>
@@ -15350,7 +20336,7 @@
                 <a:cs typeface="Times New Roman" panose="02020603050405020304" pitchFamily="18" charset="0"/>
               </a:rPr>
               <a:pPr/>
-              <a:t>12</a:t>
+              <a:t>13</a:t>
             </a:fld>
             <a:endParaRPr lang="zh-TW" altLang="en-US" sz="1800" dirty="0">
               <a:solidFill>
